--- a/CMQA/Presentations/Jennifer Slides/Jennifer Slides.pptx
+++ b/CMQA/Presentations/Jennifer Slides/Jennifer Slides.pptx
@@ -5,7 +5,14 @@
     <p:sldMasterId id="2147483648" r:id="rId1"/>
   </p:sldMasterIdLst>
   <p:sldIdLst>
-    <p:sldId id="257" r:id="rId2"/>
+    <p:sldId id="260" r:id="rId2"/>
+    <p:sldId id="258" r:id="rId3"/>
+    <p:sldId id="259" r:id="rId4"/>
+    <p:sldId id="261" r:id="rId5"/>
+    <p:sldId id="262" r:id="rId6"/>
+    <p:sldId id="263" r:id="rId7"/>
+    <p:sldId id="257" r:id="rId8"/>
+    <p:sldId id="264" r:id="rId9"/>
   </p:sldIdLst>
   <p:sldSz cx="9144000" cy="6858000" type="screen4x3"/>
   <p:notesSz cx="6858000" cy="9144000"/>
@@ -288,7 +295,7 @@
           <a:p>
             <a:fld id="{12ACB943-4C8A-4DEC-8EFE-31A84E37E7F8}" type="datetimeFigureOut">
               <a:rPr lang="en-US" smtClean="0"/>
-              <a:t>11/10/2013</a:t>
+              <a:t>11/11/2013</a:t>
             </a:fld>
             <a:endParaRPr lang="en-US"/>
           </a:p>
@@ -458,7 +465,7 @@
           <a:p>
             <a:fld id="{12ACB943-4C8A-4DEC-8EFE-31A84E37E7F8}" type="datetimeFigureOut">
               <a:rPr lang="en-US" smtClean="0"/>
-              <a:t>11/10/2013</a:t>
+              <a:t>11/11/2013</a:t>
             </a:fld>
             <a:endParaRPr lang="en-US"/>
           </a:p>
@@ -638,7 +645,7 @@
           <a:p>
             <a:fld id="{12ACB943-4C8A-4DEC-8EFE-31A84E37E7F8}" type="datetimeFigureOut">
               <a:rPr lang="en-US" smtClean="0"/>
-              <a:t>11/10/2013</a:t>
+              <a:t>11/11/2013</a:t>
             </a:fld>
             <a:endParaRPr lang="en-US"/>
           </a:p>
@@ -808,7 +815,7 @@
           <a:p>
             <a:fld id="{12ACB943-4C8A-4DEC-8EFE-31A84E37E7F8}" type="datetimeFigureOut">
               <a:rPr lang="en-US" smtClean="0"/>
-              <a:t>11/10/2013</a:t>
+              <a:t>11/11/2013</a:t>
             </a:fld>
             <a:endParaRPr lang="en-US"/>
           </a:p>
@@ -1054,7 +1061,7 @@
           <a:p>
             <a:fld id="{12ACB943-4C8A-4DEC-8EFE-31A84E37E7F8}" type="datetimeFigureOut">
               <a:rPr lang="en-US" smtClean="0"/>
-              <a:t>11/10/2013</a:t>
+              <a:t>11/11/2013</a:t>
             </a:fld>
             <a:endParaRPr lang="en-US"/>
           </a:p>
@@ -1342,7 +1349,7 @@
           <a:p>
             <a:fld id="{12ACB943-4C8A-4DEC-8EFE-31A84E37E7F8}" type="datetimeFigureOut">
               <a:rPr lang="en-US" smtClean="0"/>
-              <a:t>11/10/2013</a:t>
+              <a:t>11/11/2013</a:t>
             </a:fld>
             <a:endParaRPr lang="en-US"/>
           </a:p>
@@ -1764,7 +1771,7 @@
           <a:p>
             <a:fld id="{12ACB943-4C8A-4DEC-8EFE-31A84E37E7F8}" type="datetimeFigureOut">
               <a:rPr lang="en-US" smtClean="0"/>
-              <a:t>11/10/2013</a:t>
+              <a:t>11/11/2013</a:t>
             </a:fld>
             <a:endParaRPr lang="en-US"/>
           </a:p>
@@ -1882,7 +1889,7 @@
           <a:p>
             <a:fld id="{12ACB943-4C8A-4DEC-8EFE-31A84E37E7F8}" type="datetimeFigureOut">
               <a:rPr lang="en-US" smtClean="0"/>
-              <a:t>11/10/2013</a:t>
+              <a:t>11/11/2013</a:t>
             </a:fld>
             <a:endParaRPr lang="en-US"/>
           </a:p>
@@ -1977,7 +1984,7 @@
           <a:p>
             <a:fld id="{12ACB943-4C8A-4DEC-8EFE-31A84E37E7F8}" type="datetimeFigureOut">
               <a:rPr lang="en-US" smtClean="0"/>
-              <a:t>11/10/2013</a:t>
+              <a:t>11/11/2013</a:t>
             </a:fld>
             <a:endParaRPr lang="en-US"/>
           </a:p>
@@ -2254,7 +2261,7 @@
           <a:p>
             <a:fld id="{12ACB943-4C8A-4DEC-8EFE-31A84E37E7F8}" type="datetimeFigureOut">
               <a:rPr lang="en-US" smtClean="0"/>
-              <a:t>11/10/2013</a:t>
+              <a:t>11/11/2013</a:t>
             </a:fld>
             <a:endParaRPr lang="en-US"/>
           </a:p>
@@ -2507,7 +2514,7 @@
           <a:p>
             <a:fld id="{12ACB943-4C8A-4DEC-8EFE-31A84E37E7F8}" type="datetimeFigureOut">
               <a:rPr lang="en-US" smtClean="0"/>
-              <a:t>11/10/2013</a:t>
+              <a:t>11/11/2013</a:t>
             </a:fld>
             <a:endParaRPr lang="en-US"/>
           </a:p>
@@ -2720,7 +2727,7 @@
           <a:p>
             <a:fld id="{12ACB943-4C8A-4DEC-8EFE-31A84E37E7F8}" type="datetimeFigureOut">
               <a:rPr lang="en-US" smtClean="0"/>
-              <a:t>11/10/2013</a:t>
+              <a:t>11/11/2013</a:t>
             </a:fld>
             <a:endParaRPr lang="en-US"/>
           </a:p>
@@ -3114,7 +3121,7 @@
           <a:p>
             <a:r>
               <a:rPr lang="en-US" i="1" dirty="0" smtClean="0"/>
-              <a:t>Requirement Number</a:t>
+              <a:t>RCL.PL.STR7</a:t>
             </a:r>
             <a:endParaRPr lang="en-US" i="1" dirty="0"/>
           </a:p>
@@ -3130,14 +3137,14 @@
             <p:ph idx="1"/>
             <p:extLst>
               <p:ext uri="{D42A27DB-BD31-4B8C-83A1-F6EECF244321}">
-                <p14:modId xmlns:p14="http://schemas.microsoft.com/office/powerpoint/2010/main" val="1483644448"/>
+                <p14:modId xmlns:p14="http://schemas.microsoft.com/office/powerpoint/2010/main" val="1935047002"/>
               </p:ext>
             </p:extLst>
           </p:nvPr>
         </p:nvGraphicFramePr>
         <p:xfrm>
           <a:off x="457200" y="1371600"/>
-          <a:ext cx="8229600" cy="1112520"/>
+          <a:ext cx="8229600" cy="1381760"/>
         </p:xfrm>
         <a:graphic>
           <a:graphicData uri="http://schemas.openxmlformats.org/drawingml/2006/table">
@@ -3161,15 +3168,7 @@
                             <a:schemeClr val="bg1"/>
                           </a:solidFill>
                         </a:rPr>
-                        <a:t> RVM Requirement </a:t>
-                      </a:r>
-                      <a:r>
-                        <a:rPr lang="en-US" b="0" dirty="0" smtClean="0">
-                          <a:solidFill>
-                            <a:schemeClr val="bg1"/>
-                          </a:solidFill>
-                        </a:rPr>
-                        <a:t>Number</a:t>
+                        <a:t> RVM Requirement Number</a:t>
                       </a:r>
                       <a:endParaRPr lang="en-US" b="0" dirty="0">
                         <a:solidFill>
@@ -3233,7 +3232,7 @@
                             <a:schemeClr val="tx1"/>
                           </a:solidFill>
                         </a:rPr>
-                        <a:t>1   (Section 3.0)</a:t>
+                        <a:t>STR7</a:t>
                       </a:r>
                       <a:endParaRPr lang="en-US" b="1" dirty="0">
                         <a:solidFill>
@@ -3308,15 +3307,7 @@
                             <a:schemeClr val="bg1"/>
                           </a:solidFill>
                         </a:rPr>
-                        <a:t>Requirement </a:t>
-                      </a:r>
-                      <a:r>
-                        <a:rPr lang="en-US" b="0" baseline="0" dirty="0" smtClean="0">
-                          <a:solidFill>
-                            <a:schemeClr val="bg1"/>
-                          </a:solidFill>
-                        </a:rPr>
-                        <a:t>Wording</a:t>
+                        <a:t>Requirement Wording</a:t>
                       </a:r>
                       <a:endParaRPr lang="en-US" b="0" dirty="0">
                         <a:solidFill>
@@ -3374,34 +3365,51 @@
                     <a:bodyPr/>
                     <a:lstStyle/>
                     <a:p>
+                      <a:pPr lvl="0"/>
                       <a:r>
-                        <a:rPr lang="en-US" b="1" dirty="0" smtClean="0">
+                        <a:rPr lang="en-US" sz="1800" b="1" kern="1200" dirty="0" smtClean="0">
                           <a:solidFill>
-                            <a:schemeClr val="tx1"/>
+                            <a:schemeClr val="dk1"/>
                           </a:solidFill>
+                          <a:effectLst/>
+                          <a:latin typeface="+mn-lt"/>
+                          <a:ea typeface="+mn-ea"/>
+                          <a:cs typeface="+mn-cs"/>
                         </a:rPr>
-                        <a:t>“</a:t>
+                        <a:t>“The </a:t>
                       </a:r>
                       <a:r>
-                        <a:rPr lang="en-US" b="1" i="1" dirty="0" smtClean="0">
+                        <a:rPr lang="en-US" sz="1800" b="1" kern="1200" dirty="0" err="1" smtClean="0">
                           <a:solidFill>
-                            <a:schemeClr val="tx1"/>
+                            <a:schemeClr val="dk1"/>
                           </a:solidFill>
+                          <a:effectLst/>
+                          <a:latin typeface="+mn-lt"/>
+                          <a:ea typeface="+mn-ea"/>
+                          <a:cs typeface="+mn-cs"/>
                         </a:rPr>
-                        <a:t>Word</a:t>
+                        <a:t>CubeSat</a:t>
                       </a:r>
                       <a:r>
-                        <a:rPr lang="en-US" b="1" i="1" baseline="0" dirty="0" smtClean="0">
+                        <a:rPr lang="en-US" sz="1800" b="1" kern="1200" dirty="0" smtClean="0">
                           <a:solidFill>
-                            <a:schemeClr val="tx1"/>
+                            <a:schemeClr val="dk1"/>
                           </a:solidFill>
+                          <a:effectLst/>
+                          <a:latin typeface="+mn-lt"/>
+                          <a:ea typeface="+mn-ea"/>
+                          <a:cs typeface="+mn-cs"/>
                         </a:rPr>
-                        <a:t> for word Requirement”</a:t>
+                        <a:t> System Shall Incorporate a Deployment Switch”</a:t>
                       </a:r>
-                      <a:endParaRPr lang="en-US" b="1" dirty="0">
+                      <a:endParaRPr lang="en-US" sz="1800" kern="1200" dirty="0">
                         <a:solidFill>
-                          <a:schemeClr val="tx1"/>
+                          <a:schemeClr val="dk1"/>
                         </a:solidFill>
+                        <a:effectLst/>
+                        <a:latin typeface="+mn-lt"/>
+                        <a:ea typeface="+mn-ea"/>
+                        <a:cs typeface="+mn-cs"/>
                       </a:endParaRPr>
                     </a:p>
                   </a:txBody>
@@ -3522,36 +3530,1777 @@
                     <a:lstStyle/>
                     <a:p>
                       <a:r>
-                        <a:rPr lang="en-US" b="1" i="1" dirty="0" smtClean="0">
+                        <a:rPr lang="en-US" b="1" i="1" baseline="0" dirty="0" smtClean="0">
                           <a:solidFill>
                             <a:schemeClr val="tx1"/>
                           </a:solidFill>
                         </a:rPr>
-                        <a:t>Test,</a:t>
+                        <a:t>Examine</a:t>
                       </a:r>
+                      <a:endParaRPr lang="en-US" b="1" i="1" dirty="0">
+                        <a:solidFill>
+                          <a:schemeClr val="tx1"/>
+                        </a:solidFill>
+                      </a:endParaRPr>
+                    </a:p>
+                  </a:txBody>
+                  <a:tcPr>
+                    <a:lnL w="12700" cap="flat" cmpd="sng" algn="ctr">
+                      <a:solidFill>
+                        <a:schemeClr val="tx1"/>
+                      </a:solidFill>
+                      <a:prstDash val="solid"/>
+                      <a:round/>
+                      <a:headEnd type="none" w="med" len="med"/>
+                      <a:tailEnd type="none" w="med" len="med"/>
+                    </a:lnL>
+                    <a:lnR w="12700" cap="flat" cmpd="sng" algn="ctr">
+                      <a:solidFill>
+                        <a:schemeClr val="tx1"/>
+                      </a:solidFill>
+                      <a:prstDash val="solid"/>
+                      <a:round/>
+                      <a:headEnd type="none" w="med" len="med"/>
+                      <a:tailEnd type="none" w="med" len="med"/>
+                    </a:lnR>
+                    <a:lnT w="12700" cap="flat" cmpd="sng" algn="ctr">
+                      <a:solidFill>
+                        <a:schemeClr val="tx1"/>
+                      </a:solidFill>
+                      <a:prstDash val="solid"/>
+                      <a:round/>
+                      <a:headEnd type="none" w="med" len="med"/>
+                      <a:tailEnd type="none" w="med" len="med"/>
+                    </a:lnT>
+                    <a:lnB w="12700" cap="flat" cmpd="sng" algn="ctr">
+                      <a:solidFill>
+                        <a:schemeClr val="tx1"/>
+                      </a:solidFill>
+                      <a:prstDash val="solid"/>
+                      <a:round/>
+                      <a:headEnd type="none" w="med" len="med"/>
+                      <a:tailEnd type="none" w="med" len="med"/>
+                    </a:lnB>
+                    <a:solidFill>
+                      <a:schemeClr val="tx2">
+                        <a:lumMod val="40000"/>
+                        <a:lumOff val="60000"/>
+                      </a:schemeClr>
+                    </a:solidFill>
+                  </a:tcPr>
+                </a:tc>
+              </a:tr>
+            </a:tbl>
+          </a:graphicData>
+        </a:graphic>
+      </p:graphicFrame>
+      <p:sp>
+        <p:nvSpPr>
+          <p:cNvPr id="5" name="TextBox 4"/>
+          <p:cNvSpPr txBox="1"/>
+          <p:nvPr/>
+        </p:nvSpPr>
+        <p:spPr>
+          <a:xfrm>
+            <a:off x="381000" y="3676471"/>
+            <a:ext cx="8305800" cy="1200329"/>
+          </a:xfrm>
+          <a:prstGeom prst="rect">
+            <a:avLst/>
+          </a:prstGeom>
+          <a:noFill/>
+        </p:spPr>
+        <p:txBody>
+          <a:bodyPr wrap="square" rtlCol="0">
+            <a:spAutoFit/>
+          </a:bodyPr>
+          <a:lstStyle/>
+          <a:p>
+            <a:r>
+              <a:rPr lang="en-US" sz="2400" dirty="0" smtClean="0"/>
+              <a:t>Because power going to the </a:t>
+            </a:r>
+            <a:r>
+              <a:rPr lang="en-US" sz="2400" dirty="0" err="1" smtClean="0"/>
+              <a:t>CubeSat</a:t>
+            </a:r>
+            <a:r>
+              <a:rPr lang="en-US" sz="2400" dirty="0" smtClean="0"/>
+              <a:t> could interfere with the launch vehicle and primary payload, there must be a deployment switch to turn off </a:t>
+            </a:r>
+            <a:r>
+              <a:rPr lang="en-US" sz="2400" dirty="0" err="1" smtClean="0"/>
+              <a:t>CubeSat</a:t>
+            </a:r>
+            <a:r>
+              <a:rPr lang="en-US" sz="2400" dirty="0" smtClean="0"/>
+              <a:t> power during launch.</a:t>
+            </a:r>
+            <a:endParaRPr lang="en-US" sz="2400" dirty="0"/>
+          </a:p>
+        </p:txBody>
+      </p:sp>
+    </p:spTree>
+    <p:extLst>
+      <p:ext uri="{BB962C8B-B14F-4D97-AF65-F5344CB8AC3E}">
+        <p14:creationId xmlns:p14="http://schemas.microsoft.com/office/powerpoint/2010/main" val="1176561572"/>
+      </p:ext>
+    </p:extLst>
+  </p:cSld>
+  <p:clrMapOvr>
+    <a:masterClrMapping/>
+  </p:clrMapOvr>
+  <p:timing>
+    <p:tnLst>
+      <p:par>
+        <p:cTn id="1" dur="indefinite" restart="never" nodeType="tmRoot"/>
+      </p:par>
+    </p:tnLst>
+  </p:timing>
+</p:sld>
+</file>
+
+<file path=ppt/slides/slide2.xml><?xml version="1.0" encoding="utf-8"?>
+<p:sld xmlns:a="http://schemas.openxmlformats.org/drawingml/2006/main" xmlns:r="http://schemas.openxmlformats.org/officeDocument/2006/relationships" xmlns:p="http://schemas.openxmlformats.org/presentationml/2006/main">
+  <p:cSld>
+    <p:spTree>
+      <p:nvGrpSpPr>
+        <p:cNvPr id="1" name=""/>
+        <p:cNvGrpSpPr/>
+        <p:nvPr/>
+      </p:nvGrpSpPr>
+      <p:grpSpPr>
+        <a:xfrm>
+          <a:off x="0" y="0"/>
+          <a:ext cx="0" cy="0"/>
+          <a:chOff x="0" y="0"/>
+          <a:chExt cx="0" cy="0"/>
+        </a:xfrm>
+      </p:grpSpPr>
+      <p:sp>
+        <p:nvSpPr>
+          <p:cNvPr id="2" name="Title 1"/>
+          <p:cNvSpPr>
+            <a:spLocks noGrp="1"/>
+          </p:cNvSpPr>
+          <p:nvPr>
+            <p:ph type="title"/>
+          </p:nvPr>
+        </p:nvSpPr>
+        <p:spPr/>
+        <p:txBody>
+          <a:bodyPr>
+            <a:normAutofit/>
+          </a:bodyPr>
+          <a:lstStyle/>
+          <a:p>
+            <a:r>
+              <a:rPr lang="en-US" i="1" dirty="0" smtClean="0"/>
+              <a:t>RCL.PL.STR8	</a:t>
+            </a:r>
+            <a:endParaRPr lang="en-US" i="1" dirty="0"/>
+          </a:p>
+        </p:txBody>
+      </p:sp>
+      <p:graphicFrame>
+        <p:nvGraphicFramePr>
+          <p:cNvPr id="4" name="Content Placeholder 3"/>
+          <p:cNvGraphicFramePr>
+            <a:graphicFrameLocks noGrp="1"/>
+          </p:cNvGraphicFramePr>
+          <p:nvPr>
+            <p:ph idx="1"/>
+            <p:extLst>
+              <p:ext uri="{D42A27DB-BD31-4B8C-83A1-F6EECF244321}">
+                <p14:modId xmlns:p14="http://schemas.microsoft.com/office/powerpoint/2010/main" val="1451874093"/>
+              </p:ext>
+            </p:extLst>
+          </p:nvPr>
+        </p:nvGraphicFramePr>
+        <p:xfrm>
+          <a:off x="457200" y="1371600"/>
+          <a:ext cx="8229600" cy="1656080"/>
+        </p:xfrm>
+        <a:graphic>
+          <a:graphicData uri="http://schemas.openxmlformats.org/drawingml/2006/table">
+            <a:tbl>
+              <a:tblPr firstRow="1" bandRow="1">
+                <a:tableStyleId>{5C22544A-7EE6-4342-B048-85BDC9FD1C3A}</a:tableStyleId>
+              </a:tblPr>
+              <a:tblGrid>
+                <a:gridCol w="3200400"/>
+                <a:gridCol w="5029200"/>
+              </a:tblGrid>
+              <a:tr h="370840">
+                <a:tc>
+                  <a:txBody>
+                    <a:bodyPr/>
+                    <a:lstStyle/>
+                    <a:p>
+                      <a:r>
+                        <a:rPr lang="en-US" b="0" dirty="0" smtClean="0">
+                          <a:solidFill>
+                            <a:schemeClr val="bg1"/>
+                          </a:solidFill>
+                        </a:rPr>
+                        <a:t> RVM Requirement Number</a:t>
+                      </a:r>
+                      <a:endParaRPr lang="en-US" b="0" dirty="0">
+                        <a:solidFill>
+                          <a:schemeClr val="bg1"/>
+                        </a:solidFill>
+                      </a:endParaRPr>
+                    </a:p>
+                  </a:txBody>
+                  <a:tcPr anchor="ctr">
+                    <a:lnL w="12700" cap="flat" cmpd="sng" algn="ctr">
+                      <a:solidFill>
+                        <a:schemeClr val="tx1"/>
+                      </a:solidFill>
+                      <a:prstDash val="solid"/>
+                      <a:round/>
+                      <a:headEnd type="none" w="med" len="med"/>
+                      <a:tailEnd type="none" w="med" len="med"/>
+                    </a:lnL>
+                    <a:lnR w="12700" cap="flat" cmpd="sng" algn="ctr">
+                      <a:solidFill>
+                        <a:schemeClr val="tx1"/>
+                      </a:solidFill>
+                      <a:prstDash val="solid"/>
+                      <a:round/>
+                      <a:headEnd type="none" w="med" len="med"/>
+                      <a:tailEnd type="none" w="med" len="med"/>
+                    </a:lnR>
+                    <a:lnT w="12700" cap="flat" cmpd="sng" algn="ctr">
+                      <a:solidFill>
+                        <a:schemeClr val="tx1"/>
+                      </a:solidFill>
+                      <a:prstDash val="solid"/>
+                      <a:round/>
+                      <a:headEnd type="none" w="med" len="med"/>
+                      <a:tailEnd type="none" w="med" len="med"/>
+                    </a:lnT>
+                    <a:lnB w="12700" cap="flat" cmpd="sng" algn="ctr">
+                      <a:solidFill>
+                        <a:schemeClr val="tx1"/>
+                      </a:solidFill>
+                      <a:prstDash val="solid"/>
+                      <a:round/>
+                      <a:headEnd type="none" w="med" len="med"/>
+                      <a:tailEnd type="none" w="med" len="med"/>
+                    </a:lnB>
+                    <a:solidFill>
+                      <a:schemeClr val="tx2">
+                        <a:lumMod val="75000"/>
+                      </a:schemeClr>
+                    </a:solidFill>
+                  </a:tcPr>
+                </a:tc>
+                <a:tc>
+                  <a:txBody>
+                    <a:bodyPr/>
+                    <a:lstStyle/>
+                    <a:p>
+                      <a:r>
+                        <a:rPr lang="en-US" b="1" dirty="0" smtClean="0">
+                          <a:solidFill>
+                            <a:schemeClr val="tx1"/>
+                          </a:solidFill>
+                        </a:rPr>
+                        <a:t>STR8</a:t>
+                      </a:r>
+                      <a:endParaRPr lang="en-US" b="1" dirty="0">
+                        <a:solidFill>
+                          <a:schemeClr val="tx1"/>
+                        </a:solidFill>
+                      </a:endParaRPr>
+                    </a:p>
+                  </a:txBody>
+                  <a:tcPr>
+                    <a:lnL w="12700" cap="flat" cmpd="sng" algn="ctr">
+                      <a:solidFill>
+                        <a:schemeClr val="tx1"/>
+                      </a:solidFill>
+                      <a:prstDash val="solid"/>
+                      <a:round/>
+                      <a:headEnd type="none" w="med" len="med"/>
+                      <a:tailEnd type="none" w="med" len="med"/>
+                    </a:lnL>
+                    <a:lnR w="12700" cap="flat" cmpd="sng" algn="ctr">
+                      <a:solidFill>
+                        <a:schemeClr val="tx1"/>
+                      </a:solidFill>
+                      <a:prstDash val="solid"/>
+                      <a:round/>
+                      <a:headEnd type="none" w="med" len="med"/>
+                      <a:tailEnd type="none" w="med" len="med"/>
+                    </a:lnR>
+                    <a:lnT w="12700" cap="flat" cmpd="sng" algn="ctr">
+                      <a:solidFill>
+                        <a:schemeClr val="tx1"/>
+                      </a:solidFill>
+                      <a:prstDash val="solid"/>
+                      <a:round/>
+                      <a:headEnd type="none" w="med" len="med"/>
+                      <a:tailEnd type="none" w="med" len="med"/>
+                    </a:lnT>
+                    <a:lnB w="12700" cap="flat" cmpd="sng" algn="ctr">
+                      <a:solidFill>
+                        <a:schemeClr val="tx1"/>
+                      </a:solidFill>
+                      <a:prstDash val="solid"/>
+                      <a:round/>
+                      <a:headEnd type="none" w="med" len="med"/>
+                      <a:tailEnd type="none" w="med" len="med"/>
+                    </a:lnB>
+                    <a:solidFill>
+                      <a:schemeClr val="tx2">
+                        <a:lumMod val="40000"/>
+                        <a:lumOff val="60000"/>
+                      </a:schemeClr>
+                    </a:solidFill>
+                  </a:tcPr>
+                </a:tc>
+              </a:tr>
+              <a:tr h="370840">
+                <a:tc>
+                  <a:txBody>
+                    <a:bodyPr/>
+                    <a:lstStyle/>
+                    <a:p>
+                      <a:r>
+                        <a:rPr lang="en-US" b="0" dirty="0" smtClean="0">
+                          <a:solidFill>
+                            <a:schemeClr val="bg1"/>
+                          </a:solidFill>
+                        </a:rPr>
+                        <a:t>RVM </a:t>
+                      </a:r>
+                      <a:r>
+                        <a:rPr lang="en-US" b="0" baseline="0" dirty="0" smtClean="0">
+                          <a:solidFill>
+                            <a:schemeClr val="bg1"/>
+                          </a:solidFill>
+                        </a:rPr>
+                        <a:t>Requirement Wording</a:t>
+                      </a:r>
+                      <a:endParaRPr lang="en-US" b="0" dirty="0">
+                        <a:solidFill>
+                          <a:schemeClr val="bg1"/>
+                        </a:solidFill>
+                      </a:endParaRPr>
+                    </a:p>
+                  </a:txBody>
+                  <a:tcPr anchor="ctr">
+                    <a:lnL w="12700" cap="flat" cmpd="sng" algn="ctr">
+                      <a:solidFill>
+                        <a:schemeClr val="tx1"/>
+                      </a:solidFill>
+                      <a:prstDash val="solid"/>
+                      <a:round/>
+                      <a:headEnd type="none" w="med" len="med"/>
+                      <a:tailEnd type="none" w="med" len="med"/>
+                    </a:lnL>
+                    <a:lnR w="12700" cap="flat" cmpd="sng" algn="ctr">
+                      <a:solidFill>
+                        <a:schemeClr val="tx1"/>
+                      </a:solidFill>
+                      <a:prstDash val="solid"/>
+                      <a:round/>
+                      <a:headEnd type="none" w="med" len="med"/>
+                      <a:tailEnd type="none" w="med" len="med"/>
+                    </a:lnR>
+                    <a:lnT w="12700" cap="flat" cmpd="sng" algn="ctr">
+                      <a:solidFill>
+                        <a:schemeClr val="tx1"/>
+                      </a:solidFill>
+                      <a:prstDash val="solid"/>
+                      <a:round/>
+                      <a:headEnd type="none" w="med" len="med"/>
+                      <a:tailEnd type="none" w="med" len="med"/>
+                    </a:lnT>
+                    <a:lnB w="12700" cap="flat" cmpd="sng" algn="ctr">
+                      <a:solidFill>
+                        <a:schemeClr val="tx1"/>
+                      </a:solidFill>
+                      <a:prstDash val="solid"/>
+                      <a:round/>
+                      <a:headEnd type="none" w="med" len="med"/>
+                      <a:tailEnd type="none" w="med" len="med"/>
+                    </a:lnB>
+                    <a:solidFill>
+                      <a:schemeClr val="tx2">
+                        <a:lumMod val="75000"/>
+                      </a:schemeClr>
+                    </a:solidFill>
+                  </a:tcPr>
+                </a:tc>
+                <a:tc>
+                  <a:txBody>
+                    <a:bodyPr/>
+                    <a:lstStyle/>
+                    <a:p>
+                      <a:pPr lvl="0"/>
+                      <a:r>
+                        <a:rPr lang="en-US" sz="1800" b="1" kern="1200" dirty="0" smtClean="0">
+                          <a:solidFill>
+                            <a:schemeClr val="dk1"/>
+                          </a:solidFill>
+                          <a:effectLst/>
+                          <a:latin typeface="+mn-lt"/>
+                          <a:ea typeface="+mn-ea"/>
+                          <a:cs typeface="+mn-cs"/>
+                        </a:rPr>
+                        <a:t>“No Protrusion Shall Extend beyond 6.5 mm Normal to Any External Surface of Jade or Turquoise”</a:t>
+                      </a:r>
+                      <a:endParaRPr lang="en-US" sz="1800" kern="1200" dirty="0">
+                        <a:solidFill>
+                          <a:schemeClr val="dk1"/>
+                        </a:solidFill>
+                        <a:effectLst/>
+                        <a:latin typeface="+mn-lt"/>
+                        <a:ea typeface="+mn-ea"/>
+                        <a:cs typeface="+mn-cs"/>
+                      </a:endParaRPr>
+                    </a:p>
+                  </a:txBody>
+                  <a:tcPr>
+                    <a:lnL w="12700" cap="flat" cmpd="sng" algn="ctr">
+                      <a:solidFill>
+                        <a:schemeClr val="tx1"/>
+                      </a:solidFill>
+                      <a:prstDash val="solid"/>
+                      <a:round/>
+                      <a:headEnd type="none" w="med" len="med"/>
+                      <a:tailEnd type="none" w="med" len="med"/>
+                    </a:lnL>
+                    <a:lnR w="12700" cap="flat" cmpd="sng" algn="ctr">
+                      <a:solidFill>
+                        <a:schemeClr val="tx1"/>
+                      </a:solidFill>
+                      <a:prstDash val="solid"/>
+                      <a:round/>
+                      <a:headEnd type="none" w="med" len="med"/>
+                      <a:tailEnd type="none" w="med" len="med"/>
+                    </a:lnR>
+                    <a:lnT w="12700" cap="flat" cmpd="sng" algn="ctr">
+                      <a:solidFill>
+                        <a:schemeClr val="tx1"/>
+                      </a:solidFill>
+                      <a:prstDash val="solid"/>
+                      <a:round/>
+                      <a:headEnd type="none" w="med" len="med"/>
+                      <a:tailEnd type="none" w="med" len="med"/>
+                    </a:lnT>
+                    <a:lnB w="12700" cap="flat" cmpd="sng" algn="ctr">
+                      <a:solidFill>
+                        <a:schemeClr val="tx1"/>
+                      </a:solidFill>
+                      <a:prstDash val="solid"/>
+                      <a:round/>
+                      <a:headEnd type="none" w="med" len="med"/>
+                      <a:tailEnd type="none" w="med" len="med"/>
+                    </a:lnB>
+                    <a:solidFill>
+                      <a:schemeClr val="tx2">
+                        <a:lumMod val="40000"/>
+                        <a:lumOff val="60000"/>
+                      </a:schemeClr>
+                    </a:solidFill>
+                  </a:tcPr>
+                </a:tc>
+              </a:tr>
+              <a:tr h="370840">
+                <a:tc>
+                  <a:txBody>
+                    <a:bodyPr/>
+                    <a:lstStyle/>
+                    <a:p>
+                      <a:r>
+                        <a:rPr lang="en-US" b="0" dirty="0" smtClean="0">
+                          <a:solidFill>
+                            <a:schemeClr val="bg1"/>
+                          </a:solidFill>
+                        </a:rPr>
+                        <a:t>Validation Method</a:t>
+                      </a:r>
+                      <a:endParaRPr lang="en-US" b="0" dirty="0">
+                        <a:solidFill>
+                          <a:schemeClr val="bg1"/>
+                        </a:solidFill>
+                      </a:endParaRPr>
+                    </a:p>
+                  </a:txBody>
+                  <a:tcPr anchor="ctr">
+                    <a:lnL w="12700" cap="flat" cmpd="sng" algn="ctr">
+                      <a:solidFill>
+                        <a:schemeClr val="tx1"/>
+                      </a:solidFill>
+                      <a:prstDash val="solid"/>
+                      <a:round/>
+                      <a:headEnd type="none" w="med" len="med"/>
+                      <a:tailEnd type="none" w="med" len="med"/>
+                    </a:lnL>
+                    <a:lnR w="12700" cap="flat" cmpd="sng" algn="ctr">
+                      <a:solidFill>
+                        <a:schemeClr val="tx1"/>
+                      </a:solidFill>
+                      <a:prstDash val="solid"/>
+                      <a:round/>
+                      <a:headEnd type="none" w="med" len="med"/>
+                      <a:tailEnd type="none" w="med" len="med"/>
+                    </a:lnR>
+                    <a:lnT w="12700" cap="flat" cmpd="sng" algn="ctr">
+                      <a:solidFill>
+                        <a:schemeClr val="tx1"/>
+                      </a:solidFill>
+                      <a:prstDash val="solid"/>
+                      <a:round/>
+                      <a:headEnd type="none" w="med" len="med"/>
+                      <a:tailEnd type="none" w="med" len="med"/>
+                    </a:lnT>
+                    <a:lnB w="12700" cap="flat" cmpd="sng" algn="ctr">
+                      <a:solidFill>
+                        <a:schemeClr val="tx1"/>
+                      </a:solidFill>
+                      <a:prstDash val="solid"/>
+                      <a:round/>
+                      <a:headEnd type="none" w="med" len="med"/>
+                      <a:tailEnd type="none" w="med" len="med"/>
+                    </a:lnB>
+                    <a:solidFill>
+                      <a:schemeClr val="tx2">
+                        <a:lumMod val="75000"/>
+                      </a:schemeClr>
+                    </a:solidFill>
+                  </a:tcPr>
+                </a:tc>
+                <a:tc>
+                  <a:txBody>
+                    <a:bodyPr/>
+                    <a:lstStyle/>
+                    <a:p>
                       <a:r>
                         <a:rPr lang="en-US" b="1" i="1" baseline="0" dirty="0" smtClean="0">
                           <a:solidFill>
                             <a:schemeClr val="tx1"/>
                           </a:solidFill>
                         </a:rPr>
-                        <a:t> Analyze, Examine, </a:t>
+                        <a:t>Examine</a:t>
                       </a:r>
+                      <a:endParaRPr lang="en-US" b="1" i="1" dirty="0">
+                        <a:solidFill>
+                          <a:schemeClr val="tx1"/>
+                        </a:solidFill>
+                      </a:endParaRPr>
+                    </a:p>
+                  </a:txBody>
+                  <a:tcPr>
+                    <a:lnL w="12700" cap="flat" cmpd="sng" algn="ctr">
+                      <a:solidFill>
+                        <a:schemeClr val="tx1"/>
+                      </a:solidFill>
+                      <a:prstDash val="solid"/>
+                      <a:round/>
+                      <a:headEnd type="none" w="med" len="med"/>
+                      <a:tailEnd type="none" w="med" len="med"/>
+                    </a:lnL>
+                    <a:lnR w="12700" cap="flat" cmpd="sng" algn="ctr">
+                      <a:solidFill>
+                        <a:schemeClr val="tx1"/>
+                      </a:solidFill>
+                      <a:prstDash val="solid"/>
+                      <a:round/>
+                      <a:headEnd type="none" w="med" len="med"/>
+                      <a:tailEnd type="none" w="med" len="med"/>
+                    </a:lnR>
+                    <a:lnT w="12700" cap="flat" cmpd="sng" algn="ctr">
+                      <a:solidFill>
+                        <a:schemeClr val="tx1"/>
+                      </a:solidFill>
+                      <a:prstDash val="solid"/>
+                      <a:round/>
+                      <a:headEnd type="none" w="med" len="med"/>
+                      <a:tailEnd type="none" w="med" len="med"/>
+                    </a:lnT>
+                    <a:lnB w="12700" cap="flat" cmpd="sng" algn="ctr">
+                      <a:solidFill>
+                        <a:schemeClr val="tx1"/>
+                      </a:solidFill>
+                      <a:prstDash val="solid"/>
+                      <a:round/>
+                      <a:headEnd type="none" w="med" len="med"/>
+                      <a:tailEnd type="none" w="med" len="med"/>
+                    </a:lnB>
+                    <a:solidFill>
+                      <a:schemeClr val="tx2">
+                        <a:lumMod val="40000"/>
+                        <a:lumOff val="60000"/>
+                      </a:schemeClr>
+                    </a:solidFill>
+                  </a:tcPr>
+                </a:tc>
+              </a:tr>
+            </a:tbl>
+          </a:graphicData>
+        </a:graphic>
+      </p:graphicFrame>
+      <p:sp>
+        <p:nvSpPr>
+          <p:cNvPr id="5" name="TextBox 4"/>
+          <p:cNvSpPr txBox="1"/>
+          <p:nvPr/>
+        </p:nvSpPr>
+        <p:spPr>
+          <a:xfrm>
+            <a:off x="381000" y="3676471"/>
+            <a:ext cx="8305800" cy="1200329"/>
+          </a:xfrm>
+          <a:prstGeom prst="rect">
+            <a:avLst/>
+          </a:prstGeom>
+          <a:noFill/>
+        </p:spPr>
+        <p:txBody>
+          <a:bodyPr wrap="square" rtlCol="0">
+            <a:spAutoFit/>
+          </a:bodyPr>
+          <a:lstStyle/>
+          <a:p>
+            <a:r>
+              <a:rPr lang="en-US" sz="2400" dirty="0" smtClean="0"/>
+              <a:t>The </a:t>
+            </a:r>
+            <a:r>
+              <a:rPr lang="en-US" sz="2400" dirty="0"/>
+              <a:t>requirement </a:t>
+            </a:r>
+            <a:r>
+              <a:rPr lang="en-US" sz="2400" dirty="0" smtClean="0"/>
+              <a:t>that there be no extension beyond 6.5 mm normal to any surface of the 100 mm </a:t>
+            </a:r>
+            <a:r>
+              <a:rPr lang="en-US" sz="2400" dirty="0" err="1" smtClean="0"/>
+              <a:t>CubeSat</a:t>
+            </a:r>
+            <a:r>
+              <a:rPr lang="en-US" sz="2400" dirty="0" smtClean="0"/>
+              <a:t> helps to protect the launch vehicle.</a:t>
+            </a:r>
+            <a:endParaRPr lang="en-US" sz="2400" dirty="0"/>
+          </a:p>
+        </p:txBody>
+      </p:sp>
+    </p:spTree>
+    <p:extLst>
+      <p:ext uri="{BB962C8B-B14F-4D97-AF65-F5344CB8AC3E}">
+        <p14:creationId xmlns:p14="http://schemas.microsoft.com/office/powerpoint/2010/main" val="4024384513"/>
+      </p:ext>
+    </p:extLst>
+  </p:cSld>
+  <p:clrMapOvr>
+    <a:masterClrMapping/>
+  </p:clrMapOvr>
+  <p:timing>
+    <p:tnLst>
+      <p:par>
+        <p:cTn id="1" dur="indefinite" restart="never" nodeType="tmRoot"/>
+      </p:par>
+    </p:tnLst>
+  </p:timing>
+</p:sld>
+</file>
+
+<file path=ppt/slides/slide3.xml><?xml version="1.0" encoding="utf-8"?>
+<p:sld xmlns:a="http://schemas.openxmlformats.org/drawingml/2006/main" xmlns:r="http://schemas.openxmlformats.org/officeDocument/2006/relationships" xmlns:p="http://schemas.openxmlformats.org/presentationml/2006/main">
+  <p:cSld>
+    <p:spTree>
+      <p:nvGrpSpPr>
+        <p:cNvPr id="1" name=""/>
+        <p:cNvGrpSpPr/>
+        <p:nvPr/>
+      </p:nvGrpSpPr>
+      <p:grpSpPr>
+        <a:xfrm>
+          <a:off x="0" y="0"/>
+          <a:ext cx="0" cy="0"/>
+          <a:chOff x="0" y="0"/>
+          <a:chExt cx="0" cy="0"/>
+        </a:xfrm>
+      </p:grpSpPr>
+      <p:sp>
+        <p:nvSpPr>
+          <p:cNvPr id="2" name="Title 1"/>
+          <p:cNvSpPr>
+            <a:spLocks noGrp="1"/>
+          </p:cNvSpPr>
+          <p:nvPr>
+            <p:ph type="title"/>
+          </p:nvPr>
+        </p:nvSpPr>
+        <p:spPr/>
+        <p:txBody>
+          <a:bodyPr>
+            <a:normAutofit/>
+          </a:bodyPr>
+          <a:lstStyle/>
+          <a:p>
+            <a:r>
+              <a:rPr lang="en-US" i="1" dirty="0" smtClean="0"/>
+              <a:t>RCL.PL.STR9	</a:t>
+            </a:r>
+            <a:endParaRPr lang="en-US" i="1" dirty="0"/>
+          </a:p>
+        </p:txBody>
+      </p:sp>
+      <p:graphicFrame>
+        <p:nvGraphicFramePr>
+          <p:cNvPr id="4" name="Content Placeholder 3"/>
+          <p:cNvGraphicFramePr>
+            <a:graphicFrameLocks noGrp="1"/>
+          </p:cNvGraphicFramePr>
+          <p:nvPr>
+            <p:ph idx="1"/>
+            <p:extLst>
+              <p:ext uri="{D42A27DB-BD31-4B8C-83A1-F6EECF244321}">
+                <p14:modId xmlns:p14="http://schemas.microsoft.com/office/powerpoint/2010/main" val="4054883764"/>
+              </p:ext>
+            </p:extLst>
+          </p:nvPr>
+        </p:nvGraphicFramePr>
+        <p:xfrm>
+          <a:off x="457200" y="1371600"/>
+          <a:ext cx="8229600" cy="1656080"/>
+        </p:xfrm>
+        <a:graphic>
+          <a:graphicData uri="http://schemas.openxmlformats.org/drawingml/2006/table">
+            <a:tbl>
+              <a:tblPr firstRow="1" bandRow="1">
+                <a:tableStyleId>{5C22544A-7EE6-4342-B048-85BDC9FD1C3A}</a:tableStyleId>
+              </a:tblPr>
+              <a:tblGrid>
+                <a:gridCol w="3200400"/>
+                <a:gridCol w="5029200"/>
+              </a:tblGrid>
+              <a:tr h="370840">
+                <a:tc>
+                  <a:txBody>
+                    <a:bodyPr/>
+                    <a:lstStyle/>
+                    <a:p>
                       <a:r>
-                        <a:rPr lang="en-US" b="1" i="0" baseline="0" dirty="0" smtClean="0">
+                        <a:rPr lang="en-US" b="0" dirty="0" smtClean="0">
+                          <a:solidFill>
+                            <a:schemeClr val="bg1"/>
+                          </a:solidFill>
+                        </a:rPr>
+                        <a:t> RVM Requirement Number</a:t>
+                      </a:r>
+                      <a:endParaRPr lang="en-US" b="0" dirty="0">
+                        <a:solidFill>
+                          <a:schemeClr val="bg1"/>
+                        </a:solidFill>
+                      </a:endParaRPr>
+                    </a:p>
+                  </a:txBody>
+                  <a:tcPr anchor="ctr">
+                    <a:lnL w="12700" cap="flat" cmpd="sng" algn="ctr">
+                      <a:solidFill>
+                        <a:schemeClr val="tx1"/>
+                      </a:solidFill>
+                      <a:prstDash val="solid"/>
+                      <a:round/>
+                      <a:headEnd type="none" w="med" len="med"/>
+                      <a:tailEnd type="none" w="med" len="med"/>
+                    </a:lnL>
+                    <a:lnR w="12700" cap="flat" cmpd="sng" algn="ctr">
+                      <a:solidFill>
+                        <a:schemeClr val="tx1"/>
+                      </a:solidFill>
+                      <a:prstDash val="solid"/>
+                      <a:round/>
+                      <a:headEnd type="none" w="med" len="med"/>
+                      <a:tailEnd type="none" w="med" len="med"/>
+                    </a:lnR>
+                    <a:lnT w="12700" cap="flat" cmpd="sng" algn="ctr">
+                      <a:solidFill>
+                        <a:schemeClr val="tx1"/>
+                      </a:solidFill>
+                      <a:prstDash val="solid"/>
+                      <a:round/>
+                      <a:headEnd type="none" w="med" len="med"/>
+                      <a:tailEnd type="none" w="med" len="med"/>
+                    </a:lnT>
+                    <a:lnB w="12700" cap="flat" cmpd="sng" algn="ctr">
+                      <a:solidFill>
+                        <a:schemeClr val="tx1"/>
+                      </a:solidFill>
+                      <a:prstDash val="solid"/>
+                      <a:round/>
+                      <a:headEnd type="none" w="med" len="med"/>
+                      <a:tailEnd type="none" w="med" len="med"/>
+                    </a:lnB>
+                    <a:solidFill>
+                      <a:schemeClr val="tx2">
+                        <a:lumMod val="75000"/>
+                      </a:schemeClr>
+                    </a:solidFill>
+                  </a:tcPr>
+                </a:tc>
+                <a:tc>
+                  <a:txBody>
+                    <a:bodyPr/>
+                    <a:lstStyle/>
+                    <a:p>
+                      <a:r>
+                        <a:rPr lang="en-US" b="1" dirty="0" smtClean="0">
                           <a:solidFill>
                             <a:schemeClr val="tx1"/>
                           </a:solidFill>
                         </a:rPr>
-                        <a:t>or</a:t>
+                        <a:t>STR9</a:t>
                       </a:r>
+                      <a:endParaRPr lang="en-US" b="1" dirty="0">
+                        <a:solidFill>
+                          <a:schemeClr val="tx1"/>
+                        </a:solidFill>
+                      </a:endParaRPr>
+                    </a:p>
+                  </a:txBody>
+                  <a:tcPr>
+                    <a:lnL w="12700" cap="flat" cmpd="sng" algn="ctr">
+                      <a:solidFill>
+                        <a:schemeClr val="tx1"/>
+                      </a:solidFill>
+                      <a:prstDash val="solid"/>
+                      <a:round/>
+                      <a:headEnd type="none" w="med" len="med"/>
+                      <a:tailEnd type="none" w="med" len="med"/>
+                    </a:lnL>
+                    <a:lnR w="12700" cap="flat" cmpd="sng" algn="ctr">
+                      <a:solidFill>
+                        <a:schemeClr val="tx1"/>
+                      </a:solidFill>
+                      <a:prstDash val="solid"/>
+                      <a:round/>
+                      <a:headEnd type="none" w="med" len="med"/>
+                      <a:tailEnd type="none" w="med" len="med"/>
+                    </a:lnR>
+                    <a:lnT w="12700" cap="flat" cmpd="sng" algn="ctr">
+                      <a:solidFill>
+                        <a:schemeClr val="tx1"/>
+                      </a:solidFill>
+                      <a:prstDash val="solid"/>
+                      <a:round/>
+                      <a:headEnd type="none" w="med" len="med"/>
+                      <a:tailEnd type="none" w="med" len="med"/>
+                    </a:lnT>
+                    <a:lnB w="12700" cap="flat" cmpd="sng" algn="ctr">
+                      <a:solidFill>
+                        <a:schemeClr val="tx1"/>
+                      </a:solidFill>
+                      <a:prstDash val="solid"/>
+                      <a:round/>
+                      <a:headEnd type="none" w="med" len="med"/>
+                      <a:tailEnd type="none" w="med" len="med"/>
+                    </a:lnB>
+                    <a:solidFill>
+                      <a:schemeClr val="tx2">
+                        <a:lumMod val="40000"/>
+                        <a:lumOff val="60000"/>
+                      </a:schemeClr>
+                    </a:solidFill>
+                  </a:tcPr>
+                </a:tc>
+              </a:tr>
+              <a:tr h="370840">
+                <a:tc>
+                  <a:txBody>
+                    <a:bodyPr/>
+                    <a:lstStyle/>
+                    <a:p>
+                      <a:r>
+                        <a:rPr lang="en-US" b="0" dirty="0" smtClean="0">
+                          <a:solidFill>
+                            <a:schemeClr val="bg1"/>
+                          </a:solidFill>
+                        </a:rPr>
+                        <a:t>RVM </a:t>
+                      </a:r>
+                      <a:r>
+                        <a:rPr lang="en-US" b="0" baseline="0" dirty="0" smtClean="0">
+                          <a:solidFill>
+                            <a:schemeClr val="bg1"/>
+                          </a:solidFill>
+                        </a:rPr>
+                        <a:t>Requirement Wording</a:t>
+                      </a:r>
+                      <a:endParaRPr lang="en-US" b="0" dirty="0">
+                        <a:solidFill>
+                          <a:schemeClr val="bg1"/>
+                        </a:solidFill>
+                      </a:endParaRPr>
+                    </a:p>
+                  </a:txBody>
+                  <a:tcPr anchor="ctr">
+                    <a:lnL w="12700" cap="flat" cmpd="sng" algn="ctr">
+                      <a:solidFill>
+                        <a:schemeClr val="tx1"/>
+                      </a:solidFill>
+                      <a:prstDash val="solid"/>
+                      <a:round/>
+                      <a:headEnd type="none" w="med" len="med"/>
+                      <a:tailEnd type="none" w="med" len="med"/>
+                    </a:lnL>
+                    <a:lnR w="12700" cap="flat" cmpd="sng" algn="ctr">
+                      <a:solidFill>
+                        <a:schemeClr val="tx1"/>
+                      </a:solidFill>
+                      <a:prstDash val="solid"/>
+                      <a:round/>
+                      <a:headEnd type="none" w="med" len="med"/>
+                      <a:tailEnd type="none" w="med" len="med"/>
+                    </a:lnR>
+                    <a:lnT w="12700" cap="flat" cmpd="sng" algn="ctr">
+                      <a:solidFill>
+                        <a:schemeClr val="tx1"/>
+                      </a:solidFill>
+                      <a:prstDash val="solid"/>
+                      <a:round/>
+                      <a:headEnd type="none" w="med" len="med"/>
+                      <a:tailEnd type="none" w="med" len="med"/>
+                    </a:lnT>
+                    <a:lnB w="12700" cap="flat" cmpd="sng" algn="ctr">
+                      <a:solidFill>
+                        <a:schemeClr val="tx1"/>
+                      </a:solidFill>
+                      <a:prstDash val="solid"/>
+                      <a:round/>
+                      <a:headEnd type="none" w="med" len="med"/>
+                      <a:tailEnd type="none" w="med" len="med"/>
+                    </a:lnB>
+                    <a:solidFill>
+                      <a:schemeClr val="tx2">
+                        <a:lumMod val="75000"/>
+                      </a:schemeClr>
+                    </a:solidFill>
+                  </a:tcPr>
+                </a:tc>
+                <a:tc>
+                  <a:txBody>
+                    <a:bodyPr/>
+                    <a:lstStyle/>
+                    <a:p>
+                      <a:pPr lvl="0"/>
+                      <a:r>
+                        <a:rPr lang="en-US" sz="1800" b="1" kern="1200" dirty="0" smtClean="0">
+                          <a:solidFill>
+                            <a:schemeClr val="dk1"/>
+                          </a:solidFill>
+                          <a:effectLst/>
+                          <a:latin typeface="+mn-lt"/>
+                          <a:ea typeface="+mn-ea"/>
+                          <a:cs typeface="+mn-cs"/>
+                        </a:rPr>
+                        <a:t>“No External Components Other than the </a:t>
+                      </a:r>
+                      <a:r>
+                        <a:rPr lang="en-US" sz="1800" b="1" kern="1200" dirty="0" err="1" smtClean="0">
+                          <a:solidFill>
+                            <a:schemeClr val="dk1"/>
+                          </a:solidFill>
+                          <a:effectLst/>
+                          <a:latin typeface="+mn-lt"/>
+                          <a:ea typeface="+mn-ea"/>
+                          <a:cs typeface="+mn-cs"/>
+                        </a:rPr>
+                        <a:t>CubeSat</a:t>
+                      </a:r>
+                      <a:r>
+                        <a:rPr lang="en-US" sz="1800" b="1" kern="1200" dirty="0" smtClean="0">
+                          <a:solidFill>
+                            <a:schemeClr val="dk1"/>
+                          </a:solidFill>
+                          <a:effectLst/>
+                          <a:latin typeface="+mn-lt"/>
+                          <a:ea typeface="+mn-ea"/>
+                          <a:cs typeface="+mn-cs"/>
+                        </a:rPr>
+                        <a:t> Rails of Jade and Turquoise may make Contact with the </a:t>
+                      </a:r>
+                      <a:r>
+                        <a:rPr lang="en-US" sz="1800" b="1" kern="1200" dirty="0" err="1" smtClean="0">
+                          <a:solidFill>
+                            <a:schemeClr val="dk1"/>
+                          </a:solidFill>
+                          <a:effectLst/>
+                          <a:latin typeface="+mn-lt"/>
+                          <a:ea typeface="+mn-ea"/>
+                          <a:cs typeface="+mn-cs"/>
+                        </a:rPr>
+                        <a:t>Deployer</a:t>
+                      </a:r>
+                      <a:r>
+                        <a:rPr lang="en-US" sz="1800" b="1" kern="1200" dirty="0" smtClean="0">
+                          <a:solidFill>
+                            <a:schemeClr val="dk1"/>
+                          </a:solidFill>
+                          <a:effectLst/>
+                          <a:latin typeface="+mn-lt"/>
+                          <a:ea typeface="+mn-ea"/>
+                          <a:cs typeface="+mn-cs"/>
+                        </a:rPr>
+                        <a:t>”</a:t>
+                      </a:r>
+                      <a:endParaRPr lang="en-US" sz="1800" kern="1200" dirty="0">
+                        <a:solidFill>
+                          <a:schemeClr val="dk1"/>
+                        </a:solidFill>
+                        <a:effectLst/>
+                        <a:latin typeface="+mn-lt"/>
+                        <a:ea typeface="+mn-ea"/>
+                        <a:cs typeface="+mn-cs"/>
+                      </a:endParaRPr>
+                    </a:p>
+                  </a:txBody>
+                  <a:tcPr>
+                    <a:lnL w="12700" cap="flat" cmpd="sng" algn="ctr">
+                      <a:solidFill>
+                        <a:schemeClr val="tx1"/>
+                      </a:solidFill>
+                      <a:prstDash val="solid"/>
+                      <a:round/>
+                      <a:headEnd type="none" w="med" len="med"/>
+                      <a:tailEnd type="none" w="med" len="med"/>
+                    </a:lnL>
+                    <a:lnR w="12700" cap="flat" cmpd="sng" algn="ctr">
+                      <a:solidFill>
+                        <a:schemeClr val="tx1"/>
+                      </a:solidFill>
+                      <a:prstDash val="solid"/>
+                      <a:round/>
+                      <a:headEnd type="none" w="med" len="med"/>
+                      <a:tailEnd type="none" w="med" len="med"/>
+                    </a:lnR>
+                    <a:lnT w="12700" cap="flat" cmpd="sng" algn="ctr">
+                      <a:solidFill>
+                        <a:schemeClr val="tx1"/>
+                      </a:solidFill>
+                      <a:prstDash val="solid"/>
+                      <a:round/>
+                      <a:headEnd type="none" w="med" len="med"/>
+                      <a:tailEnd type="none" w="med" len="med"/>
+                    </a:lnT>
+                    <a:lnB w="12700" cap="flat" cmpd="sng" algn="ctr">
+                      <a:solidFill>
+                        <a:schemeClr val="tx1"/>
+                      </a:solidFill>
+                      <a:prstDash val="solid"/>
+                      <a:round/>
+                      <a:headEnd type="none" w="med" len="med"/>
+                      <a:tailEnd type="none" w="med" len="med"/>
+                    </a:lnB>
+                    <a:solidFill>
+                      <a:schemeClr val="tx2">
+                        <a:lumMod val="40000"/>
+                        <a:lumOff val="60000"/>
+                      </a:schemeClr>
+                    </a:solidFill>
+                  </a:tcPr>
+                </a:tc>
+              </a:tr>
+              <a:tr h="370840">
+                <a:tc>
+                  <a:txBody>
+                    <a:bodyPr/>
+                    <a:lstStyle/>
+                    <a:p>
+                      <a:r>
+                        <a:rPr lang="en-US" b="0" dirty="0" smtClean="0">
+                          <a:solidFill>
+                            <a:schemeClr val="bg1"/>
+                          </a:solidFill>
+                        </a:rPr>
+                        <a:t>Validation Method</a:t>
+                      </a:r>
+                      <a:endParaRPr lang="en-US" b="0" dirty="0">
+                        <a:solidFill>
+                          <a:schemeClr val="bg1"/>
+                        </a:solidFill>
+                      </a:endParaRPr>
+                    </a:p>
+                  </a:txBody>
+                  <a:tcPr anchor="ctr">
+                    <a:lnL w="12700" cap="flat" cmpd="sng" algn="ctr">
+                      <a:solidFill>
+                        <a:schemeClr val="tx1"/>
+                      </a:solidFill>
+                      <a:prstDash val="solid"/>
+                      <a:round/>
+                      <a:headEnd type="none" w="med" len="med"/>
+                      <a:tailEnd type="none" w="med" len="med"/>
+                    </a:lnL>
+                    <a:lnR w="12700" cap="flat" cmpd="sng" algn="ctr">
+                      <a:solidFill>
+                        <a:schemeClr val="tx1"/>
+                      </a:solidFill>
+                      <a:prstDash val="solid"/>
+                      <a:round/>
+                      <a:headEnd type="none" w="med" len="med"/>
+                      <a:tailEnd type="none" w="med" len="med"/>
+                    </a:lnR>
+                    <a:lnT w="12700" cap="flat" cmpd="sng" algn="ctr">
+                      <a:solidFill>
+                        <a:schemeClr val="tx1"/>
+                      </a:solidFill>
+                      <a:prstDash val="solid"/>
+                      <a:round/>
+                      <a:headEnd type="none" w="med" len="med"/>
+                      <a:tailEnd type="none" w="med" len="med"/>
+                    </a:lnT>
+                    <a:lnB w="12700" cap="flat" cmpd="sng" algn="ctr">
+                      <a:solidFill>
+                        <a:schemeClr val="tx1"/>
+                      </a:solidFill>
+                      <a:prstDash val="solid"/>
+                      <a:round/>
+                      <a:headEnd type="none" w="med" len="med"/>
+                      <a:tailEnd type="none" w="med" len="med"/>
+                    </a:lnB>
+                    <a:solidFill>
+                      <a:schemeClr val="tx2">
+                        <a:lumMod val="75000"/>
+                      </a:schemeClr>
+                    </a:solidFill>
+                  </a:tcPr>
+                </a:tc>
+                <a:tc>
+                  <a:txBody>
+                    <a:bodyPr/>
+                    <a:lstStyle/>
+                    <a:p>
                       <a:r>
                         <a:rPr lang="en-US" b="1" i="1" baseline="0" dirty="0" smtClean="0">
                           <a:solidFill>
                             <a:schemeClr val="tx1"/>
                           </a:solidFill>
                         </a:rPr>
-                        <a:t> Demo</a:t>
+                        <a:t>Examine</a:t>
+                      </a:r>
+                      <a:endParaRPr lang="en-US" b="1" i="1" dirty="0">
+                        <a:solidFill>
+                          <a:schemeClr val="tx1"/>
+                        </a:solidFill>
+                      </a:endParaRPr>
+                    </a:p>
+                  </a:txBody>
+                  <a:tcPr>
+                    <a:lnL w="12700" cap="flat" cmpd="sng" algn="ctr">
+                      <a:solidFill>
+                        <a:schemeClr val="tx1"/>
+                      </a:solidFill>
+                      <a:prstDash val="solid"/>
+                      <a:round/>
+                      <a:headEnd type="none" w="med" len="med"/>
+                      <a:tailEnd type="none" w="med" len="med"/>
+                    </a:lnL>
+                    <a:lnR w="12700" cap="flat" cmpd="sng" algn="ctr">
+                      <a:solidFill>
+                        <a:schemeClr val="tx1"/>
+                      </a:solidFill>
+                      <a:prstDash val="solid"/>
+                      <a:round/>
+                      <a:headEnd type="none" w="med" len="med"/>
+                      <a:tailEnd type="none" w="med" len="med"/>
+                    </a:lnR>
+                    <a:lnT w="12700" cap="flat" cmpd="sng" algn="ctr">
+                      <a:solidFill>
+                        <a:schemeClr val="tx1"/>
+                      </a:solidFill>
+                      <a:prstDash val="solid"/>
+                      <a:round/>
+                      <a:headEnd type="none" w="med" len="med"/>
+                      <a:tailEnd type="none" w="med" len="med"/>
+                    </a:lnT>
+                    <a:lnB w="12700" cap="flat" cmpd="sng" algn="ctr">
+                      <a:solidFill>
+                        <a:schemeClr val="tx1"/>
+                      </a:solidFill>
+                      <a:prstDash val="solid"/>
+                      <a:round/>
+                      <a:headEnd type="none" w="med" len="med"/>
+                      <a:tailEnd type="none" w="med" len="med"/>
+                    </a:lnB>
+                    <a:solidFill>
+                      <a:schemeClr val="tx2">
+                        <a:lumMod val="40000"/>
+                        <a:lumOff val="60000"/>
+                      </a:schemeClr>
+                    </a:solidFill>
+                  </a:tcPr>
+                </a:tc>
+              </a:tr>
+            </a:tbl>
+          </a:graphicData>
+        </a:graphic>
+      </p:graphicFrame>
+      <p:sp>
+        <p:nvSpPr>
+          <p:cNvPr id="5" name="TextBox 4"/>
+          <p:cNvSpPr txBox="1"/>
+          <p:nvPr/>
+        </p:nvSpPr>
+        <p:spPr>
+          <a:xfrm>
+            <a:off x="381000" y="3676471"/>
+            <a:ext cx="8305800" cy="1569660"/>
+          </a:xfrm>
+          <a:prstGeom prst="rect">
+            <a:avLst/>
+          </a:prstGeom>
+          <a:noFill/>
+        </p:spPr>
+        <p:txBody>
+          <a:bodyPr wrap="square" rtlCol="0">
+            <a:spAutoFit/>
+          </a:bodyPr>
+          <a:lstStyle/>
+          <a:p>
+            <a:r>
+              <a:rPr lang="en-US" sz="2400" dirty="0" smtClean="0"/>
+              <a:t>Due to positioning the </a:t>
+            </a:r>
+            <a:r>
+              <a:rPr lang="en-US" sz="2400" dirty="0" err="1" smtClean="0"/>
+              <a:t>CubeSats</a:t>
+            </a:r>
+            <a:r>
+              <a:rPr lang="en-US" sz="2400" dirty="0" smtClean="0"/>
+              <a:t> within the P-POD, and the need for a smooth exit from the launch vehicle, no component may extend any further than 6.5 mm normal to any surface of the 100 mm cube.</a:t>
+            </a:r>
+            <a:endParaRPr lang="en-US" sz="2400" dirty="0"/>
+          </a:p>
+        </p:txBody>
+      </p:sp>
+    </p:spTree>
+    <p:extLst>
+      <p:ext uri="{BB962C8B-B14F-4D97-AF65-F5344CB8AC3E}">
+        <p14:creationId xmlns:p14="http://schemas.microsoft.com/office/powerpoint/2010/main" val="3044123568"/>
+      </p:ext>
+    </p:extLst>
+  </p:cSld>
+  <p:clrMapOvr>
+    <a:masterClrMapping/>
+  </p:clrMapOvr>
+  <p:timing>
+    <p:tnLst>
+      <p:par>
+        <p:cTn id="1" dur="indefinite" restart="never" nodeType="tmRoot"/>
+      </p:par>
+    </p:tnLst>
+  </p:timing>
+</p:sld>
+</file>
+
+<file path=ppt/slides/slide4.xml><?xml version="1.0" encoding="utf-8"?>
+<p:sld xmlns:a="http://schemas.openxmlformats.org/drawingml/2006/main" xmlns:r="http://schemas.openxmlformats.org/officeDocument/2006/relationships" xmlns:p="http://schemas.openxmlformats.org/presentationml/2006/main">
+  <p:cSld>
+    <p:spTree>
+      <p:nvGrpSpPr>
+        <p:cNvPr id="1" name=""/>
+        <p:cNvGrpSpPr/>
+        <p:nvPr/>
+      </p:nvGrpSpPr>
+      <p:grpSpPr>
+        <a:xfrm>
+          <a:off x="0" y="0"/>
+          <a:ext cx="0" cy="0"/>
+          <a:chOff x="0" y="0"/>
+          <a:chExt cx="0" cy="0"/>
+        </a:xfrm>
+      </p:grpSpPr>
+      <p:sp>
+        <p:nvSpPr>
+          <p:cNvPr id="2" name="Title 1"/>
+          <p:cNvSpPr>
+            <a:spLocks noGrp="1"/>
+          </p:cNvSpPr>
+          <p:nvPr>
+            <p:ph type="title"/>
+          </p:nvPr>
+        </p:nvSpPr>
+        <p:spPr/>
+        <p:txBody>
+          <a:bodyPr>
+            <a:normAutofit/>
+          </a:bodyPr>
+          <a:lstStyle/>
+          <a:p>
+            <a:r>
+              <a:rPr lang="en-US" i="1" dirty="0" smtClean="0"/>
+              <a:t>RCL.PL.STR10</a:t>
+            </a:r>
+            <a:endParaRPr lang="en-US" i="1" dirty="0"/>
+          </a:p>
+        </p:txBody>
+      </p:sp>
+      <p:graphicFrame>
+        <p:nvGraphicFramePr>
+          <p:cNvPr id="4" name="Content Placeholder 3"/>
+          <p:cNvGraphicFramePr>
+            <a:graphicFrameLocks noGrp="1"/>
+          </p:cNvGraphicFramePr>
+          <p:nvPr>
+            <p:ph idx="1"/>
+            <p:extLst>
+              <p:ext uri="{D42A27DB-BD31-4B8C-83A1-F6EECF244321}">
+                <p14:modId xmlns:p14="http://schemas.microsoft.com/office/powerpoint/2010/main" val="1683880331"/>
+              </p:ext>
+            </p:extLst>
+          </p:nvPr>
+        </p:nvGraphicFramePr>
+        <p:xfrm>
+          <a:off x="457200" y="1371600"/>
+          <a:ext cx="8229600" cy="1381760"/>
+        </p:xfrm>
+        <a:graphic>
+          <a:graphicData uri="http://schemas.openxmlformats.org/drawingml/2006/table">
+            <a:tbl>
+              <a:tblPr firstRow="1" bandRow="1">
+                <a:tableStyleId>{5C22544A-7EE6-4342-B048-85BDC9FD1C3A}</a:tableStyleId>
+              </a:tblPr>
+              <a:tblGrid>
+                <a:gridCol w="3200400"/>
+                <a:gridCol w="5029200"/>
+              </a:tblGrid>
+              <a:tr h="370840">
+                <a:tc>
+                  <a:txBody>
+                    <a:bodyPr/>
+                    <a:lstStyle/>
+                    <a:p>
+                      <a:r>
+                        <a:rPr lang="en-US" b="0" dirty="0" smtClean="0">
+                          <a:solidFill>
+                            <a:schemeClr val="bg1"/>
+                          </a:solidFill>
+                        </a:rPr>
+                        <a:t> RVM Requirement Number</a:t>
+                      </a:r>
+                      <a:endParaRPr lang="en-US" b="0" dirty="0">
+                        <a:solidFill>
+                          <a:schemeClr val="bg1"/>
+                        </a:solidFill>
+                      </a:endParaRPr>
+                    </a:p>
+                  </a:txBody>
+                  <a:tcPr anchor="ctr">
+                    <a:lnL w="12700" cap="flat" cmpd="sng" algn="ctr">
+                      <a:solidFill>
+                        <a:schemeClr val="tx1"/>
+                      </a:solidFill>
+                      <a:prstDash val="solid"/>
+                      <a:round/>
+                      <a:headEnd type="none" w="med" len="med"/>
+                      <a:tailEnd type="none" w="med" len="med"/>
+                    </a:lnL>
+                    <a:lnR w="12700" cap="flat" cmpd="sng" algn="ctr">
+                      <a:solidFill>
+                        <a:schemeClr val="tx1"/>
+                      </a:solidFill>
+                      <a:prstDash val="solid"/>
+                      <a:round/>
+                      <a:headEnd type="none" w="med" len="med"/>
+                      <a:tailEnd type="none" w="med" len="med"/>
+                    </a:lnR>
+                    <a:lnT w="12700" cap="flat" cmpd="sng" algn="ctr">
+                      <a:solidFill>
+                        <a:schemeClr val="tx1"/>
+                      </a:solidFill>
+                      <a:prstDash val="solid"/>
+                      <a:round/>
+                      <a:headEnd type="none" w="med" len="med"/>
+                      <a:tailEnd type="none" w="med" len="med"/>
+                    </a:lnT>
+                    <a:lnB w="12700" cap="flat" cmpd="sng" algn="ctr">
+                      <a:solidFill>
+                        <a:schemeClr val="tx1"/>
+                      </a:solidFill>
+                      <a:prstDash val="solid"/>
+                      <a:round/>
+                      <a:headEnd type="none" w="med" len="med"/>
+                      <a:tailEnd type="none" w="med" len="med"/>
+                    </a:lnB>
+                    <a:solidFill>
+                      <a:schemeClr val="tx2">
+                        <a:lumMod val="75000"/>
+                      </a:schemeClr>
+                    </a:solidFill>
+                  </a:tcPr>
+                </a:tc>
+                <a:tc>
+                  <a:txBody>
+                    <a:bodyPr/>
+                    <a:lstStyle/>
+                    <a:p>
+                      <a:r>
+                        <a:rPr lang="en-US" b="1" dirty="0" smtClean="0">
+                          <a:solidFill>
+                            <a:schemeClr val="tx1"/>
+                          </a:solidFill>
+                        </a:rPr>
+                        <a:t>STR10</a:t>
+                      </a:r>
+                      <a:endParaRPr lang="en-US" b="1" dirty="0">
+                        <a:solidFill>
+                          <a:schemeClr val="tx1"/>
+                        </a:solidFill>
+                      </a:endParaRPr>
+                    </a:p>
+                  </a:txBody>
+                  <a:tcPr>
+                    <a:lnL w="12700" cap="flat" cmpd="sng" algn="ctr">
+                      <a:solidFill>
+                        <a:schemeClr val="tx1"/>
+                      </a:solidFill>
+                      <a:prstDash val="solid"/>
+                      <a:round/>
+                      <a:headEnd type="none" w="med" len="med"/>
+                      <a:tailEnd type="none" w="med" len="med"/>
+                    </a:lnL>
+                    <a:lnR w="12700" cap="flat" cmpd="sng" algn="ctr">
+                      <a:solidFill>
+                        <a:schemeClr val="tx1"/>
+                      </a:solidFill>
+                      <a:prstDash val="solid"/>
+                      <a:round/>
+                      <a:headEnd type="none" w="med" len="med"/>
+                      <a:tailEnd type="none" w="med" len="med"/>
+                    </a:lnR>
+                    <a:lnT w="12700" cap="flat" cmpd="sng" algn="ctr">
+                      <a:solidFill>
+                        <a:schemeClr val="tx1"/>
+                      </a:solidFill>
+                      <a:prstDash val="solid"/>
+                      <a:round/>
+                      <a:headEnd type="none" w="med" len="med"/>
+                      <a:tailEnd type="none" w="med" len="med"/>
+                    </a:lnT>
+                    <a:lnB w="12700" cap="flat" cmpd="sng" algn="ctr">
+                      <a:solidFill>
+                        <a:schemeClr val="tx1"/>
+                      </a:solidFill>
+                      <a:prstDash val="solid"/>
+                      <a:round/>
+                      <a:headEnd type="none" w="med" len="med"/>
+                      <a:tailEnd type="none" w="med" len="med"/>
+                    </a:lnB>
+                    <a:solidFill>
+                      <a:schemeClr val="tx2">
+                        <a:lumMod val="40000"/>
+                        <a:lumOff val="60000"/>
+                      </a:schemeClr>
+                    </a:solidFill>
+                  </a:tcPr>
+                </a:tc>
+              </a:tr>
+              <a:tr h="370840">
+                <a:tc>
+                  <a:txBody>
+                    <a:bodyPr/>
+                    <a:lstStyle/>
+                    <a:p>
+                      <a:r>
+                        <a:rPr lang="en-US" b="0" dirty="0" smtClean="0">
+                          <a:solidFill>
+                            <a:schemeClr val="bg1"/>
+                          </a:solidFill>
+                        </a:rPr>
+                        <a:t>RVM </a:t>
+                      </a:r>
+                      <a:r>
+                        <a:rPr lang="en-US" b="0" baseline="0" dirty="0" smtClean="0">
+                          <a:solidFill>
+                            <a:schemeClr val="bg1"/>
+                          </a:solidFill>
+                        </a:rPr>
+                        <a:t>Requirement Wording</a:t>
+                      </a:r>
+                      <a:endParaRPr lang="en-US" b="0" dirty="0">
+                        <a:solidFill>
+                          <a:schemeClr val="bg1"/>
+                        </a:solidFill>
+                      </a:endParaRPr>
+                    </a:p>
+                  </a:txBody>
+                  <a:tcPr anchor="ctr">
+                    <a:lnL w="12700" cap="flat" cmpd="sng" algn="ctr">
+                      <a:solidFill>
+                        <a:schemeClr val="tx1"/>
+                      </a:solidFill>
+                      <a:prstDash val="solid"/>
+                      <a:round/>
+                      <a:headEnd type="none" w="med" len="med"/>
+                      <a:tailEnd type="none" w="med" len="med"/>
+                    </a:lnL>
+                    <a:lnR w="12700" cap="flat" cmpd="sng" algn="ctr">
+                      <a:solidFill>
+                        <a:schemeClr val="tx1"/>
+                      </a:solidFill>
+                      <a:prstDash val="solid"/>
+                      <a:round/>
+                      <a:headEnd type="none" w="med" len="med"/>
+                      <a:tailEnd type="none" w="med" len="med"/>
+                    </a:lnR>
+                    <a:lnT w="12700" cap="flat" cmpd="sng" algn="ctr">
+                      <a:solidFill>
+                        <a:schemeClr val="tx1"/>
+                      </a:solidFill>
+                      <a:prstDash val="solid"/>
+                      <a:round/>
+                      <a:headEnd type="none" w="med" len="med"/>
+                      <a:tailEnd type="none" w="med" len="med"/>
+                    </a:lnT>
+                    <a:lnB w="12700" cap="flat" cmpd="sng" algn="ctr">
+                      <a:solidFill>
+                        <a:schemeClr val="tx1"/>
+                      </a:solidFill>
+                      <a:prstDash val="solid"/>
+                      <a:round/>
+                      <a:headEnd type="none" w="med" len="med"/>
+                      <a:tailEnd type="none" w="med" len="med"/>
+                    </a:lnB>
+                    <a:solidFill>
+                      <a:schemeClr val="tx2">
+                        <a:lumMod val="75000"/>
+                      </a:schemeClr>
+                    </a:solidFill>
+                  </a:tcPr>
+                </a:tc>
+                <a:tc>
+                  <a:txBody>
+                    <a:bodyPr/>
+                    <a:lstStyle/>
+                    <a:p>
+                      <a:pPr lvl="0"/>
+                      <a:r>
+                        <a:rPr lang="en-US" sz="1800" b="1" kern="1200" dirty="0" smtClean="0">
+                          <a:solidFill>
+                            <a:schemeClr val="dk1"/>
+                          </a:solidFill>
+                          <a:effectLst/>
+                          <a:latin typeface="+mn-lt"/>
+                          <a:ea typeface="+mn-ea"/>
+                          <a:cs typeface="+mn-cs"/>
+                        </a:rPr>
+                        <a:t>“The </a:t>
+                      </a:r>
+                      <a:r>
+                        <a:rPr lang="en-US" sz="1800" b="1" kern="1200" dirty="0" err="1" smtClean="0">
+                          <a:solidFill>
+                            <a:schemeClr val="dk1"/>
+                          </a:solidFill>
+                          <a:effectLst/>
+                          <a:latin typeface="+mn-lt"/>
+                          <a:ea typeface="+mn-ea"/>
+                          <a:cs typeface="+mn-cs"/>
+                        </a:rPr>
+                        <a:t>Deployer</a:t>
+                      </a:r>
+                      <a:r>
+                        <a:rPr lang="en-US" sz="1800" b="1" kern="1200" dirty="0" smtClean="0">
+                          <a:solidFill>
+                            <a:schemeClr val="dk1"/>
+                          </a:solidFill>
+                          <a:effectLst/>
+                          <a:latin typeface="+mn-lt"/>
+                          <a:ea typeface="+mn-ea"/>
+                          <a:cs typeface="+mn-cs"/>
+                        </a:rPr>
+                        <a:t> Shall not be Used to Secure Any </a:t>
+                      </a:r>
+                      <a:r>
+                        <a:rPr lang="en-US" sz="1800" b="1" kern="1200" dirty="0" err="1" smtClean="0">
+                          <a:solidFill>
+                            <a:schemeClr val="dk1"/>
+                          </a:solidFill>
+                          <a:effectLst/>
+                          <a:latin typeface="+mn-lt"/>
+                          <a:ea typeface="+mn-ea"/>
+                          <a:cs typeface="+mn-cs"/>
+                        </a:rPr>
+                        <a:t>CubeSat</a:t>
+                      </a:r>
+                      <a:r>
+                        <a:rPr lang="en-US" sz="1800" b="1" kern="1200" dirty="0" smtClean="0">
+                          <a:solidFill>
+                            <a:schemeClr val="dk1"/>
+                          </a:solidFill>
+                          <a:effectLst/>
+                          <a:latin typeface="+mn-lt"/>
+                          <a:ea typeface="+mn-ea"/>
+                          <a:cs typeface="+mn-cs"/>
+                        </a:rPr>
+                        <a:t> </a:t>
+                      </a:r>
+                      <a:r>
+                        <a:rPr lang="en-US" sz="1800" b="1" kern="1200" dirty="0" err="1" smtClean="0">
+                          <a:solidFill>
+                            <a:schemeClr val="dk1"/>
+                          </a:solidFill>
+                          <a:effectLst/>
+                          <a:latin typeface="+mn-lt"/>
+                          <a:ea typeface="+mn-ea"/>
+                          <a:cs typeface="+mn-cs"/>
+                        </a:rPr>
+                        <a:t>Deployables</a:t>
+                      </a:r>
+                      <a:r>
+                        <a:rPr lang="en-US" sz="1800" b="1" kern="1200" dirty="0" smtClean="0">
+                          <a:solidFill>
+                            <a:schemeClr val="dk1"/>
+                          </a:solidFill>
+                          <a:effectLst/>
+                          <a:latin typeface="+mn-lt"/>
+                          <a:ea typeface="+mn-ea"/>
+                          <a:cs typeface="+mn-cs"/>
+                        </a:rPr>
+                        <a:t>”</a:t>
+                      </a:r>
+                      <a:endParaRPr lang="en-US" sz="1800" kern="1200" dirty="0">
+                        <a:solidFill>
+                          <a:schemeClr val="dk1"/>
+                        </a:solidFill>
+                        <a:effectLst/>
+                        <a:latin typeface="+mn-lt"/>
+                        <a:ea typeface="+mn-ea"/>
+                        <a:cs typeface="+mn-cs"/>
+                      </a:endParaRPr>
+                    </a:p>
+                  </a:txBody>
+                  <a:tcPr>
+                    <a:lnL w="12700" cap="flat" cmpd="sng" algn="ctr">
+                      <a:solidFill>
+                        <a:schemeClr val="tx1"/>
+                      </a:solidFill>
+                      <a:prstDash val="solid"/>
+                      <a:round/>
+                      <a:headEnd type="none" w="med" len="med"/>
+                      <a:tailEnd type="none" w="med" len="med"/>
+                    </a:lnL>
+                    <a:lnR w="12700" cap="flat" cmpd="sng" algn="ctr">
+                      <a:solidFill>
+                        <a:schemeClr val="tx1"/>
+                      </a:solidFill>
+                      <a:prstDash val="solid"/>
+                      <a:round/>
+                      <a:headEnd type="none" w="med" len="med"/>
+                      <a:tailEnd type="none" w="med" len="med"/>
+                    </a:lnR>
+                    <a:lnT w="12700" cap="flat" cmpd="sng" algn="ctr">
+                      <a:solidFill>
+                        <a:schemeClr val="tx1"/>
+                      </a:solidFill>
+                      <a:prstDash val="solid"/>
+                      <a:round/>
+                      <a:headEnd type="none" w="med" len="med"/>
+                      <a:tailEnd type="none" w="med" len="med"/>
+                    </a:lnT>
+                    <a:lnB w="12700" cap="flat" cmpd="sng" algn="ctr">
+                      <a:solidFill>
+                        <a:schemeClr val="tx1"/>
+                      </a:solidFill>
+                      <a:prstDash val="solid"/>
+                      <a:round/>
+                      <a:headEnd type="none" w="med" len="med"/>
+                      <a:tailEnd type="none" w="med" len="med"/>
+                    </a:lnB>
+                    <a:solidFill>
+                      <a:schemeClr val="tx2">
+                        <a:lumMod val="40000"/>
+                        <a:lumOff val="60000"/>
+                      </a:schemeClr>
+                    </a:solidFill>
+                  </a:tcPr>
+                </a:tc>
+              </a:tr>
+              <a:tr h="370840">
+                <a:tc>
+                  <a:txBody>
+                    <a:bodyPr/>
+                    <a:lstStyle/>
+                    <a:p>
+                      <a:r>
+                        <a:rPr lang="en-US" b="0" dirty="0" smtClean="0">
+                          <a:solidFill>
+                            <a:schemeClr val="bg1"/>
+                          </a:solidFill>
+                        </a:rPr>
+                        <a:t>Validation Method</a:t>
+                      </a:r>
+                      <a:endParaRPr lang="en-US" b="0" dirty="0">
+                        <a:solidFill>
+                          <a:schemeClr val="bg1"/>
+                        </a:solidFill>
+                      </a:endParaRPr>
+                    </a:p>
+                  </a:txBody>
+                  <a:tcPr anchor="ctr">
+                    <a:lnL w="12700" cap="flat" cmpd="sng" algn="ctr">
+                      <a:solidFill>
+                        <a:schemeClr val="tx1"/>
+                      </a:solidFill>
+                      <a:prstDash val="solid"/>
+                      <a:round/>
+                      <a:headEnd type="none" w="med" len="med"/>
+                      <a:tailEnd type="none" w="med" len="med"/>
+                    </a:lnL>
+                    <a:lnR w="12700" cap="flat" cmpd="sng" algn="ctr">
+                      <a:solidFill>
+                        <a:schemeClr val="tx1"/>
+                      </a:solidFill>
+                      <a:prstDash val="solid"/>
+                      <a:round/>
+                      <a:headEnd type="none" w="med" len="med"/>
+                      <a:tailEnd type="none" w="med" len="med"/>
+                    </a:lnR>
+                    <a:lnT w="12700" cap="flat" cmpd="sng" algn="ctr">
+                      <a:solidFill>
+                        <a:schemeClr val="tx1"/>
+                      </a:solidFill>
+                      <a:prstDash val="solid"/>
+                      <a:round/>
+                      <a:headEnd type="none" w="med" len="med"/>
+                      <a:tailEnd type="none" w="med" len="med"/>
+                    </a:lnT>
+                    <a:lnB w="12700" cap="flat" cmpd="sng" algn="ctr">
+                      <a:solidFill>
+                        <a:schemeClr val="tx1"/>
+                      </a:solidFill>
+                      <a:prstDash val="solid"/>
+                      <a:round/>
+                      <a:headEnd type="none" w="med" len="med"/>
+                      <a:tailEnd type="none" w="med" len="med"/>
+                    </a:lnB>
+                    <a:solidFill>
+                      <a:schemeClr val="tx2">
+                        <a:lumMod val="75000"/>
+                      </a:schemeClr>
+                    </a:solidFill>
+                  </a:tcPr>
+                </a:tc>
+                <a:tc>
+                  <a:txBody>
+                    <a:bodyPr/>
+                    <a:lstStyle/>
+                    <a:p>
+                      <a:r>
+                        <a:rPr lang="en-US" b="1" i="1" baseline="0" dirty="0" smtClean="0">
+                          <a:solidFill>
+                            <a:schemeClr val="tx1"/>
+                          </a:solidFill>
+                        </a:rPr>
+                        <a:t>Demo</a:t>
                       </a:r>
                       <a:endParaRPr lang="en-US" b="1" i="1" dirty="0">
                         <a:solidFill>
@@ -3633,13 +5382,1711 @@
           <a:lstStyle/>
           <a:p>
             <a:r>
-              <a:rPr lang="en-US" sz="2400" b="1" i="1" dirty="0" smtClean="0"/>
-              <a:t>Sentence summary of any terms that need explaining. Also include images, where necessary</a:t>
-            </a:r>
-            <a:endParaRPr lang="en-US" sz="2400" b="1" i="1" dirty="0"/>
+              <a:rPr lang="en-US" sz="2400" dirty="0" smtClean="0"/>
+              <a:t>This requirement is designed to help ensure the safety and integrity of the individual </a:t>
+            </a:r>
+            <a:r>
+              <a:rPr lang="en-US" sz="2400" dirty="0" err="1" smtClean="0"/>
+              <a:t>CubeSats</a:t>
+            </a:r>
+            <a:r>
+              <a:rPr lang="en-US" sz="2400" dirty="0" smtClean="0"/>
+              <a:t>.</a:t>
+            </a:r>
+            <a:endParaRPr lang="en-US" sz="2400" dirty="0"/>
           </a:p>
         </p:txBody>
       </p:sp>
+    </p:spTree>
+    <p:extLst>
+      <p:ext uri="{BB962C8B-B14F-4D97-AF65-F5344CB8AC3E}">
+        <p14:creationId xmlns:p14="http://schemas.microsoft.com/office/powerpoint/2010/main" val="1280492138"/>
+      </p:ext>
+    </p:extLst>
+  </p:cSld>
+  <p:clrMapOvr>
+    <a:masterClrMapping/>
+  </p:clrMapOvr>
+  <p:timing>
+    <p:tnLst>
+      <p:par>
+        <p:cTn id="1" dur="indefinite" restart="never" nodeType="tmRoot"/>
+      </p:par>
+    </p:tnLst>
+  </p:timing>
+</p:sld>
+</file>
+
+<file path=ppt/slides/slide5.xml><?xml version="1.0" encoding="utf-8"?>
+<p:sld xmlns:a="http://schemas.openxmlformats.org/drawingml/2006/main" xmlns:r="http://schemas.openxmlformats.org/officeDocument/2006/relationships" xmlns:p="http://schemas.openxmlformats.org/presentationml/2006/main">
+  <p:cSld>
+    <p:spTree>
+      <p:nvGrpSpPr>
+        <p:cNvPr id="1" name=""/>
+        <p:cNvGrpSpPr/>
+        <p:nvPr/>
+      </p:nvGrpSpPr>
+      <p:grpSpPr>
+        <a:xfrm>
+          <a:off x="0" y="0"/>
+          <a:ext cx="0" cy="0"/>
+          <a:chOff x="0" y="0"/>
+          <a:chExt cx="0" cy="0"/>
+        </a:xfrm>
+      </p:grpSpPr>
+      <p:sp>
+        <p:nvSpPr>
+          <p:cNvPr id="2" name="Title 1"/>
+          <p:cNvSpPr>
+            <a:spLocks noGrp="1"/>
+          </p:cNvSpPr>
+          <p:nvPr>
+            <p:ph type="title"/>
+          </p:nvPr>
+        </p:nvSpPr>
+        <p:spPr/>
+        <p:txBody>
+          <a:bodyPr>
+            <a:normAutofit/>
+          </a:bodyPr>
+          <a:lstStyle/>
+          <a:p>
+            <a:r>
+              <a:rPr lang="en-US" i="1" dirty="0" smtClean="0"/>
+              <a:t>RCL.PL.STR11</a:t>
+            </a:r>
+            <a:endParaRPr lang="en-US" i="1" dirty="0"/>
+          </a:p>
+        </p:txBody>
+      </p:sp>
+      <p:graphicFrame>
+        <p:nvGraphicFramePr>
+          <p:cNvPr id="4" name="Content Placeholder 3"/>
+          <p:cNvGraphicFramePr>
+            <a:graphicFrameLocks noGrp="1"/>
+          </p:cNvGraphicFramePr>
+          <p:nvPr>
+            <p:ph idx="1"/>
+            <p:extLst>
+              <p:ext uri="{D42A27DB-BD31-4B8C-83A1-F6EECF244321}">
+                <p14:modId xmlns:p14="http://schemas.microsoft.com/office/powerpoint/2010/main" val="3896250188"/>
+              </p:ext>
+            </p:extLst>
+          </p:nvPr>
+        </p:nvGraphicFramePr>
+        <p:xfrm>
+          <a:off x="457200" y="1371600"/>
+          <a:ext cx="8229600" cy="1656080"/>
+        </p:xfrm>
+        <a:graphic>
+          <a:graphicData uri="http://schemas.openxmlformats.org/drawingml/2006/table">
+            <a:tbl>
+              <a:tblPr firstRow="1" bandRow="1">
+                <a:tableStyleId>{5C22544A-7EE6-4342-B048-85BDC9FD1C3A}</a:tableStyleId>
+              </a:tblPr>
+              <a:tblGrid>
+                <a:gridCol w="3200400"/>
+                <a:gridCol w="5029200"/>
+              </a:tblGrid>
+              <a:tr h="370840">
+                <a:tc>
+                  <a:txBody>
+                    <a:bodyPr/>
+                    <a:lstStyle/>
+                    <a:p>
+                      <a:r>
+                        <a:rPr lang="en-US" b="0" dirty="0" smtClean="0">
+                          <a:solidFill>
+                            <a:schemeClr val="bg1"/>
+                          </a:solidFill>
+                        </a:rPr>
+                        <a:t> RVM Requirement Number</a:t>
+                      </a:r>
+                      <a:endParaRPr lang="en-US" b="0" dirty="0">
+                        <a:solidFill>
+                          <a:schemeClr val="bg1"/>
+                        </a:solidFill>
+                      </a:endParaRPr>
+                    </a:p>
+                  </a:txBody>
+                  <a:tcPr anchor="ctr">
+                    <a:lnL w="12700" cap="flat" cmpd="sng" algn="ctr">
+                      <a:solidFill>
+                        <a:schemeClr val="tx1"/>
+                      </a:solidFill>
+                      <a:prstDash val="solid"/>
+                      <a:round/>
+                      <a:headEnd type="none" w="med" len="med"/>
+                      <a:tailEnd type="none" w="med" len="med"/>
+                    </a:lnL>
+                    <a:lnR w="12700" cap="flat" cmpd="sng" algn="ctr">
+                      <a:solidFill>
+                        <a:schemeClr val="tx1"/>
+                      </a:solidFill>
+                      <a:prstDash val="solid"/>
+                      <a:round/>
+                      <a:headEnd type="none" w="med" len="med"/>
+                      <a:tailEnd type="none" w="med" len="med"/>
+                    </a:lnR>
+                    <a:lnT w="12700" cap="flat" cmpd="sng" algn="ctr">
+                      <a:solidFill>
+                        <a:schemeClr val="tx1"/>
+                      </a:solidFill>
+                      <a:prstDash val="solid"/>
+                      <a:round/>
+                      <a:headEnd type="none" w="med" len="med"/>
+                      <a:tailEnd type="none" w="med" len="med"/>
+                    </a:lnT>
+                    <a:lnB w="12700" cap="flat" cmpd="sng" algn="ctr">
+                      <a:solidFill>
+                        <a:schemeClr val="tx1"/>
+                      </a:solidFill>
+                      <a:prstDash val="solid"/>
+                      <a:round/>
+                      <a:headEnd type="none" w="med" len="med"/>
+                      <a:tailEnd type="none" w="med" len="med"/>
+                    </a:lnB>
+                    <a:solidFill>
+                      <a:schemeClr val="tx2">
+                        <a:lumMod val="75000"/>
+                      </a:schemeClr>
+                    </a:solidFill>
+                  </a:tcPr>
+                </a:tc>
+                <a:tc>
+                  <a:txBody>
+                    <a:bodyPr/>
+                    <a:lstStyle/>
+                    <a:p>
+                      <a:r>
+                        <a:rPr lang="en-US" b="1" dirty="0" smtClean="0">
+                          <a:solidFill>
+                            <a:schemeClr val="tx1"/>
+                          </a:solidFill>
+                        </a:rPr>
+                        <a:t>STR11</a:t>
+                      </a:r>
+                      <a:endParaRPr lang="en-US" b="1" dirty="0">
+                        <a:solidFill>
+                          <a:schemeClr val="tx1"/>
+                        </a:solidFill>
+                      </a:endParaRPr>
+                    </a:p>
+                  </a:txBody>
+                  <a:tcPr>
+                    <a:lnL w="12700" cap="flat" cmpd="sng" algn="ctr">
+                      <a:solidFill>
+                        <a:schemeClr val="tx1"/>
+                      </a:solidFill>
+                      <a:prstDash val="solid"/>
+                      <a:round/>
+                      <a:headEnd type="none" w="med" len="med"/>
+                      <a:tailEnd type="none" w="med" len="med"/>
+                    </a:lnL>
+                    <a:lnR w="12700" cap="flat" cmpd="sng" algn="ctr">
+                      <a:solidFill>
+                        <a:schemeClr val="tx1"/>
+                      </a:solidFill>
+                      <a:prstDash val="solid"/>
+                      <a:round/>
+                      <a:headEnd type="none" w="med" len="med"/>
+                      <a:tailEnd type="none" w="med" len="med"/>
+                    </a:lnR>
+                    <a:lnT w="12700" cap="flat" cmpd="sng" algn="ctr">
+                      <a:solidFill>
+                        <a:schemeClr val="tx1"/>
+                      </a:solidFill>
+                      <a:prstDash val="solid"/>
+                      <a:round/>
+                      <a:headEnd type="none" w="med" len="med"/>
+                      <a:tailEnd type="none" w="med" len="med"/>
+                    </a:lnT>
+                    <a:lnB w="12700" cap="flat" cmpd="sng" algn="ctr">
+                      <a:solidFill>
+                        <a:schemeClr val="tx1"/>
+                      </a:solidFill>
+                      <a:prstDash val="solid"/>
+                      <a:round/>
+                      <a:headEnd type="none" w="med" len="med"/>
+                      <a:tailEnd type="none" w="med" len="med"/>
+                    </a:lnB>
+                    <a:solidFill>
+                      <a:schemeClr val="tx2">
+                        <a:lumMod val="40000"/>
+                        <a:lumOff val="60000"/>
+                      </a:schemeClr>
+                    </a:solidFill>
+                  </a:tcPr>
+                </a:tc>
+              </a:tr>
+              <a:tr h="370840">
+                <a:tc>
+                  <a:txBody>
+                    <a:bodyPr/>
+                    <a:lstStyle/>
+                    <a:p>
+                      <a:r>
+                        <a:rPr lang="en-US" b="0" dirty="0" smtClean="0">
+                          <a:solidFill>
+                            <a:schemeClr val="bg1"/>
+                          </a:solidFill>
+                        </a:rPr>
+                        <a:t>RVM </a:t>
+                      </a:r>
+                      <a:r>
+                        <a:rPr lang="en-US" b="0" baseline="0" dirty="0" smtClean="0">
+                          <a:solidFill>
+                            <a:schemeClr val="bg1"/>
+                          </a:solidFill>
+                        </a:rPr>
+                        <a:t>Requirement Wording</a:t>
+                      </a:r>
+                      <a:endParaRPr lang="en-US" b="0" dirty="0">
+                        <a:solidFill>
+                          <a:schemeClr val="bg1"/>
+                        </a:solidFill>
+                      </a:endParaRPr>
+                    </a:p>
+                  </a:txBody>
+                  <a:tcPr anchor="ctr">
+                    <a:lnL w="12700" cap="flat" cmpd="sng" algn="ctr">
+                      <a:solidFill>
+                        <a:schemeClr val="tx1"/>
+                      </a:solidFill>
+                      <a:prstDash val="solid"/>
+                      <a:round/>
+                      <a:headEnd type="none" w="med" len="med"/>
+                      <a:tailEnd type="none" w="med" len="med"/>
+                    </a:lnL>
+                    <a:lnR w="12700" cap="flat" cmpd="sng" algn="ctr">
+                      <a:solidFill>
+                        <a:schemeClr val="tx1"/>
+                      </a:solidFill>
+                      <a:prstDash val="solid"/>
+                      <a:round/>
+                      <a:headEnd type="none" w="med" len="med"/>
+                      <a:tailEnd type="none" w="med" len="med"/>
+                    </a:lnR>
+                    <a:lnT w="12700" cap="flat" cmpd="sng" algn="ctr">
+                      <a:solidFill>
+                        <a:schemeClr val="tx1"/>
+                      </a:solidFill>
+                      <a:prstDash val="solid"/>
+                      <a:round/>
+                      <a:headEnd type="none" w="med" len="med"/>
+                      <a:tailEnd type="none" w="med" len="med"/>
+                    </a:lnT>
+                    <a:lnB w="12700" cap="flat" cmpd="sng" algn="ctr">
+                      <a:solidFill>
+                        <a:schemeClr val="tx1"/>
+                      </a:solidFill>
+                      <a:prstDash val="solid"/>
+                      <a:round/>
+                      <a:headEnd type="none" w="med" len="med"/>
+                      <a:tailEnd type="none" w="med" len="med"/>
+                    </a:lnB>
+                    <a:solidFill>
+                      <a:schemeClr val="tx2">
+                        <a:lumMod val="75000"/>
+                      </a:schemeClr>
+                    </a:solidFill>
+                  </a:tcPr>
+                </a:tc>
+                <a:tc>
+                  <a:txBody>
+                    <a:bodyPr/>
+                    <a:lstStyle/>
+                    <a:p>
+                      <a:pPr lvl="0"/>
+                      <a:r>
+                        <a:rPr lang="en-US" sz="1800" b="1" kern="1200" dirty="0" smtClean="0">
+                          <a:solidFill>
+                            <a:schemeClr val="dk1"/>
+                          </a:solidFill>
+                          <a:effectLst/>
+                          <a:latin typeface="+mn-lt"/>
+                          <a:ea typeface="+mn-ea"/>
+                          <a:cs typeface="+mn-cs"/>
+                        </a:rPr>
+                        <a:t>“The Center of Gravity of the total </a:t>
+                      </a:r>
+                      <a:r>
+                        <a:rPr lang="en-US" sz="1800" b="1" kern="1200" dirty="0" err="1" smtClean="0">
+                          <a:solidFill>
+                            <a:schemeClr val="dk1"/>
+                          </a:solidFill>
+                          <a:effectLst/>
+                          <a:latin typeface="+mn-lt"/>
+                          <a:ea typeface="+mn-ea"/>
+                          <a:cs typeface="+mn-cs"/>
+                        </a:rPr>
+                        <a:t>CubeSat</a:t>
+                      </a:r>
+                      <a:r>
+                        <a:rPr lang="en-US" sz="1800" b="1" kern="1200" dirty="0" smtClean="0">
+                          <a:solidFill>
+                            <a:schemeClr val="dk1"/>
+                          </a:solidFill>
+                          <a:effectLst/>
+                          <a:latin typeface="+mn-lt"/>
+                          <a:ea typeface="+mn-ea"/>
+                          <a:cs typeface="+mn-cs"/>
+                        </a:rPr>
+                        <a:t> System Shall be Located within a Sphere of 2 cm of the Geometric Center of the System”</a:t>
+                      </a:r>
+                      <a:endParaRPr lang="en-US" sz="1800" kern="1200" dirty="0">
+                        <a:solidFill>
+                          <a:schemeClr val="dk1"/>
+                        </a:solidFill>
+                        <a:effectLst/>
+                        <a:latin typeface="+mn-lt"/>
+                        <a:ea typeface="+mn-ea"/>
+                        <a:cs typeface="+mn-cs"/>
+                      </a:endParaRPr>
+                    </a:p>
+                  </a:txBody>
+                  <a:tcPr>
+                    <a:lnL w="12700" cap="flat" cmpd="sng" algn="ctr">
+                      <a:solidFill>
+                        <a:schemeClr val="tx1"/>
+                      </a:solidFill>
+                      <a:prstDash val="solid"/>
+                      <a:round/>
+                      <a:headEnd type="none" w="med" len="med"/>
+                      <a:tailEnd type="none" w="med" len="med"/>
+                    </a:lnL>
+                    <a:lnR w="12700" cap="flat" cmpd="sng" algn="ctr">
+                      <a:solidFill>
+                        <a:schemeClr val="tx1"/>
+                      </a:solidFill>
+                      <a:prstDash val="solid"/>
+                      <a:round/>
+                      <a:headEnd type="none" w="med" len="med"/>
+                      <a:tailEnd type="none" w="med" len="med"/>
+                    </a:lnR>
+                    <a:lnT w="12700" cap="flat" cmpd="sng" algn="ctr">
+                      <a:solidFill>
+                        <a:schemeClr val="tx1"/>
+                      </a:solidFill>
+                      <a:prstDash val="solid"/>
+                      <a:round/>
+                      <a:headEnd type="none" w="med" len="med"/>
+                      <a:tailEnd type="none" w="med" len="med"/>
+                    </a:lnT>
+                    <a:lnB w="12700" cap="flat" cmpd="sng" algn="ctr">
+                      <a:solidFill>
+                        <a:schemeClr val="tx1"/>
+                      </a:solidFill>
+                      <a:prstDash val="solid"/>
+                      <a:round/>
+                      <a:headEnd type="none" w="med" len="med"/>
+                      <a:tailEnd type="none" w="med" len="med"/>
+                    </a:lnB>
+                    <a:solidFill>
+                      <a:schemeClr val="tx2">
+                        <a:lumMod val="40000"/>
+                        <a:lumOff val="60000"/>
+                      </a:schemeClr>
+                    </a:solidFill>
+                  </a:tcPr>
+                </a:tc>
+              </a:tr>
+              <a:tr h="370840">
+                <a:tc>
+                  <a:txBody>
+                    <a:bodyPr/>
+                    <a:lstStyle/>
+                    <a:p>
+                      <a:r>
+                        <a:rPr lang="en-US" b="0" dirty="0" smtClean="0">
+                          <a:solidFill>
+                            <a:schemeClr val="bg1"/>
+                          </a:solidFill>
+                        </a:rPr>
+                        <a:t>Validation Method</a:t>
+                      </a:r>
+                      <a:endParaRPr lang="en-US" b="0" dirty="0">
+                        <a:solidFill>
+                          <a:schemeClr val="bg1"/>
+                        </a:solidFill>
+                      </a:endParaRPr>
+                    </a:p>
+                  </a:txBody>
+                  <a:tcPr anchor="ctr">
+                    <a:lnL w="12700" cap="flat" cmpd="sng" algn="ctr">
+                      <a:solidFill>
+                        <a:schemeClr val="tx1"/>
+                      </a:solidFill>
+                      <a:prstDash val="solid"/>
+                      <a:round/>
+                      <a:headEnd type="none" w="med" len="med"/>
+                      <a:tailEnd type="none" w="med" len="med"/>
+                    </a:lnL>
+                    <a:lnR w="12700" cap="flat" cmpd="sng" algn="ctr">
+                      <a:solidFill>
+                        <a:schemeClr val="tx1"/>
+                      </a:solidFill>
+                      <a:prstDash val="solid"/>
+                      <a:round/>
+                      <a:headEnd type="none" w="med" len="med"/>
+                      <a:tailEnd type="none" w="med" len="med"/>
+                    </a:lnR>
+                    <a:lnT w="12700" cap="flat" cmpd="sng" algn="ctr">
+                      <a:solidFill>
+                        <a:schemeClr val="tx1"/>
+                      </a:solidFill>
+                      <a:prstDash val="solid"/>
+                      <a:round/>
+                      <a:headEnd type="none" w="med" len="med"/>
+                      <a:tailEnd type="none" w="med" len="med"/>
+                    </a:lnT>
+                    <a:lnB w="12700" cap="flat" cmpd="sng" algn="ctr">
+                      <a:solidFill>
+                        <a:schemeClr val="tx1"/>
+                      </a:solidFill>
+                      <a:prstDash val="solid"/>
+                      <a:round/>
+                      <a:headEnd type="none" w="med" len="med"/>
+                      <a:tailEnd type="none" w="med" len="med"/>
+                    </a:lnB>
+                    <a:solidFill>
+                      <a:schemeClr val="tx2">
+                        <a:lumMod val="75000"/>
+                      </a:schemeClr>
+                    </a:solidFill>
+                  </a:tcPr>
+                </a:tc>
+                <a:tc>
+                  <a:txBody>
+                    <a:bodyPr/>
+                    <a:lstStyle/>
+                    <a:p>
+                      <a:r>
+                        <a:rPr lang="en-US" b="1" i="1" baseline="0" dirty="0" smtClean="0">
+                          <a:solidFill>
+                            <a:schemeClr val="tx1"/>
+                          </a:solidFill>
+                        </a:rPr>
+                        <a:t>Analyze</a:t>
+                      </a:r>
+                      <a:endParaRPr lang="en-US" b="1" i="1" dirty="0">
+                        <a:solidFill>
+                          <a:schemeClr val="tx1"/>
+                        </a:solidFill>
+                      </a:endParaRPr>
+                    </a:p>
+                  </a:txBody>
+                  <a:tcPr>
+                    <a:lnL w="12700" cap="flat" cmpd="sng" algn="ctr">
+                      <a:solidFill>
+                        <a:schemeClr val="tx1"/>
+                      </a:solidFill>
+                      <a:prstDash val="solid"/>
+                      <a:round/>
+                      <a:headEnd type="none" w="med" len="med"/>
+                      <a:tailEnd type="none" w="med" len="med"/>
+                    </a:lnL>
+                    <a:lnR w="12700" cap="flat" cmpd="sng" algn="ctr">
+                      <a:solidFill>
+                        <a:schemeClr val="tx1"/>
+                      </a:solidFill>
+                      <a:prstDash val="solid"/>
+                      <a:round/>
+                      <a:headEnd type="none" w="med" len="med"/>
+                      <a:tailEnd type="none" w="med" len="med"/>
+                    </a:lnR>
+                    <a:lnT w="12700" cap="flat" cmpd="sng" algn="ctr">
+                      <a:solidFill>
+                        <a:schemeClr val="tx1"/>
+                      </a:solidFill>
+                      <a:prstDash val="solid"/>
+                      <a:round/>
+                      <a:headEnd type="none" w="med" len="med"/>
+                      <a:tailEnd type="none" w="med" len="med"/>
+                    </a:lnT>
+                    <a:lnB w="12700" cap="flat" cmpd="sng" algn="ctr">
+                      <a:solidFill>
+                        <a:schemeClr val="tx1"/>
+                      </a:solidFill>
+                      <a:prstDash val="solid"/>
+                      <a:round/>
+                      <a:headEnd type="none" w="med" len="med"/>
+                      <a:tailEnd type="none" w="med" len="med"/>
+                    </a:lnB>
+                    <a:solidFill>
+                      <a:schemeClr val="tx2">
+                        <a:lumMod val="40000"/>
+                        <a:lumOff val="60000"/>
+                      </a:schemeClr>
+                    </a:solidFill>
+                  </a:tcPr>
+                </a:tc>
+              </a:tr>
+            </a:tbl>
+          </a:graphicData>
+        </a:graphic>
+      </p:graphicFrame>
+      <p:sp>
+        <p:nvSpPr>
+          <p:cNvPr id="5" name="TextBox 4"/>
+          <p:cNvSpPr txBox="1"/>
+          <p:nvPr/>
+        </p:nvSpPr>
+        <p:spPr>
+          <a:xfrm>
+            <a:off x="381000" y="3676471"/>
+            <a:ext cx="8305800" cy="830997"/>
+          </a:xfrm>
+          <a:prstGeom prst="rect">
+            <a:avLst/>
+          </a:prstGeom>
+          <a:noFill/>
+        </p:spPr>
+        <p:txBody>
+          <a:bodyPr wrap="square" rtlCol="0">
+            <a:spAutoFit/>
+          </a:bodyPr>
+          <a:lstStyle/>
+          <a:p>
+            <a:r>
+              <a:rPr lang="en-US" sz="2400" dirty="0" smtClean="0"/>
+              <a:t>The positioning of the center of gravity close to the geometric center for the easier manipulation of the cube from any point.</a:t>
+            </a:r>
+            <a:endParaRPr lang="en-US" sz="2400" dirty="0"/>
+          </a:p>
+        </p:txBody>
+      </p:sp>
+    </p:spTree>
+    <p:extLst>
+      <p:ext uri="{BB962C8B-B14F-4D97-AF65-F5344CB8AC3E}">
+        <p14:creationId xmlns:p14="http://schemas.microsoft.com/office/powerpoint/2010/main" val="1519208509"/>
+      </p:ext>
+    </p:extLst>
+  </p:cSld>
+  <p:clrMapOvr>
+    <a:masterClrMapping/>
+  </p:clrMapOvr>
+  <p:timing>
+    <p:tnLst>
+      <p:par>
+        <p:cTn id="1" dur="indefinite" restart="never" nodeType="tmRoot"/>
+      </p:par>
+    </p:tnLst>
+  </p:timing>
+</p:sld>
+</file>
+
+<file path=ppt/slides/slide6.xml><?xml version="1.0" encoding="utf-8"?>
+<p:sld xmlns:a="http://schemas.openxmlformats.org/drawingml/2006/main" xmlns:r="http://schemas.openxmlformats.org/officeDocument/2006/relationships" xmlns:p="http://schemas.openxmlformats.org/presentationml/2006/main">
+  <p:cSld>
+    <p:spTree>
+      <p:nvGrpSpPr>
+        <p:cNvPr id="1" name=""/>
+        <p:cNvGrpSpPr/>
+        <p:nvPr/>
+      </p:nvGrpSpPr>
+      <p:grpSpPr>
+        <a:xfrm>
+          <a:off x="0" y="0"/>
+          <a:ext cx="0" cy="0"/>
+          <a:chOff x="0" y="0"/>
+          <a:chExt cx="0" cy="0"/>
+        </a:xfrm>
+      </p:grpSpPr>
+      <p:sp>
+        <p:nvSpPr>
+          <p:cNvPr id="2" name="Title 1"/>
+          <p:cNvSpPr>
+            <a:spLocks noGrp="1"/>
+          </p:cNvSpPr>
+          <p:nvPr>
+            <p:ph type="title"/>
+          </p:nvPr>
+        </p:nvSpPr>
+        <p:spPr/>
+        <p:txBody>
+          <a:bodyPr>
+            <a:normAutofit/>
+          </a:bodyPr>
+          <a:lstStyle/>
+          <a:p>
+            <a:r>
+              <a:rPr lang="en-US" i="1" dirty="0" smtClean="0"/>
+              <a:t>RCL.PL.STR12</a:t>
+            </a:r>
+            <a:endParaRPr lang="en-US" i="1" dirty="0"/>
+          </a:p>
+        </p:txBody>
+      </p:sp>
+      <p:graphicFrame>
+        <p:nvGraphicFramePr>
+          <p:cNvPr id="4" name="Content Placeholder 3"/>
+          <p:cNvGraphicFramePr>
+            <a:graphicFrameLocks noGrp="1"/>
+          </p:cNvGraphicFramePr>
+          <p:nvPr>
+            <p:ph idx="1"/>
+            <p:extLst>
+              <p:ext uri="{D42A27DB-BD31-4B8C-83A1-F6EECF244321}">
+                <p14:modId xmlns:p14="http://schemas.microsoft.com/office/powerpoint/2010/main" val="657005942"/>
+              </p:ext>
+            </p:extLst>
+          </p:nvPr>
+        </p:nvGraphicFramePr>
+        <p:xfrm>
+          <a:off x="457200" y="1371600"/>
+          <a:ext cx="8229600" cy="1656080"/>
+        </p:xfrm>
+        <a:graphic>
+          <a:graphicData uri="http://schemas.openxmlformats.org/drawingml/2006/table">
+            <a:tbl>
+              <a:tblPr firstRow="1" bandRow="1">
+                <a:tableStyleId>{5C22544A-7EE6-4342-B048-85BDC9FD1C3A}</a:tableStyleId>
+              </a:tblPr>
+              <a:tblGrid>
+                <a:gridCol w="3200400"/>
+                <a:gridCol w="5029200"/>
+              </a:tblGrid>
+              <a:tr h="370840">
+                <a:tc>
+                  <a:txBody>
+                    <a:bodyPr/>
+                    <a:lstStyle/>
+                    <a:p>
+                      <a:r>
+                        <a:rPr lang="en-US" b="0" dirty="0" smtClean="0">
+                          <a:solidFill>
+                            <a:schemeClr val="bg1"/>
+                          </a:solidFill>
+                        </a:rPr>
+                        <a:t> RVM Requirement Number</a:t>
+                      </a:r>
+                      <a:endParaRPr lang="en-US" b="0" dirty="0">
+                        <a:solidFill>
+                          <a:schemeClr val="bg1"/>
+                        </a:solidFill>
+                      </a:endParaRPr>
+                    </a:p>
+                  </a:txBody>
+                  <a:tcPr anchor="ctr">
+                    <a:lnL w="12700" cap="flat" cmpd="sng" algn="ctr">
+                      <a:solidFill>
+                        <a:schemeClr val="tx1"/>
+                      </a:solidFill>
+                      <a:prstDash val="solid"/>
+                      <a:round/>
+                      <a:headEnd type="none" w="med" len="med"/>
+                      <a:tailEnd type="none" w="med" len="med"/>
+                    </a:lnL>
+                    <a:lnR w="12700" cap="flat" cmpd="sng" algn="ctr">
+                      <a:solidFill>
+                        <a:schemeClr val="tx1"/>
+                      </a:solidFill>
+                      <a:prstDash val="solid"/>
+                      <a:round/>
+                      <a:headEnd type="none" w="med" len="med"/>
+                      <a:tailEnd type="none" w="med" len="med"/>
+                    </a:lnR>
+                    <a:lnT w="12700" cap="flat" cmpd="sng" algn="ctr">
+                      <a:solidFill>
+                        <a:schemeClr val="tx1"/>
+                      </a:solidFill>
+                      <a:prstDash val="solid"/>
+                      <a:round/>
+                      <a:headEnd type="none" w="med" len="med"/>
+                      <a:tailEnd type="none" w="med" len="med"/>
+                    </a:lnT>
+                    <a:lnB w="12700" cap="flat" cmpd="sng" algn="ctr">
+                      <a:solidFill>
+                        <a:schemeClr val="tx1"/>
+                      </a:solidFill>
+                      <a:prstDash val="solid"/>
+                      <a:round/>
+                      <a:headEnd type="none" w="med" len="med"/>
+                      <a:tailEnd type="none" w="med" len="med"/>
+                    </a:lnB>
+                    <a:solidFill>
+                      <a:schemeClr val="tx2">
+                        <a:lumMod val="75000"/>
+                      </a:schemeClr>
+                    </a:solidFill>
+                  </a:tcPr>
+                </a:tc>
+                <a:tc>
+                  <a:txBody>
+                    <a:bodyPr/>
+                    <a:lstStyle/>
+                    <a:p>
+                      <a:r>
+                        <a:rPr lang="en-US" b="1" dirty="0" smtClean="0">
+                          <a:solidFill>
+                            <a:schemeClr val="tx1"/>
+                          </a:solidFill>
+                        </a:rPr>
+                        <a:t>STR12</a:t>
+                      </a:r>
+                      <a:endParaRPr lang="en-US" b="1" dirty="0">
+                        <a:solidFill>
+                          <a:schemeClr val="tx1"/>
+                        </a:solidFill>
+                      </a:endParaRPr>
+                    </a:p>
+                  </a:txBody>
+                  <a:tcPr>
+                    <a:lnL w="12700" cap="flat" cmpd="sng" algn="ctr">
+                      <a:solidFill>
+                        <a:schemeClr val="tx1"/>
+                      </a:solidFill>
+                      <a:prstDash val="solid"/>
+                      <a:round/>
+                      <a:headEnd type="none" w="med" len="med"/>
+                      <a:tailEnd type="none" w="med" len="med"/>
+                    </a:lnL>
+                    <a:lnR w="12700" cap="flat" cmpd="sng" algn="ctr">
+                      <a:solidFill>
+                        <a:schemeClr val="tx1"/>
+                      </a:solidFill>
+                      <a:prstDash val="solid"/>
+                      <a:round/>
+                      <a:headEnd type="none" w="med" len="med"/>
+                      <a:tailEnd type="none" w="med" len="med"/>
+                    </a:lnR>
+                    <a:lnT w="12700" cap="flat" cmpd="sng" algn="ctr">
+                      <a:solidFill>
+                        <a:schemeClr val="tx1"/>
+                      </a:solidFill>
+                      <a:prstDash val="solid"/>
+                      <a:round/>
+                      <a:headEnd type="none" w="med" len="med"/>
+                      <a:tailEnd type="none" w="med" len="med"/>
+                    </a:lnT>
+                    <a:lnB w="12700" cap="flat" cmpd="sng" algn="ctr">
+                      <a:solidFill>
+                        <a:schemeClr val="tx1"/>
+                      </a:solidFill>
+                      <a:prstDash val="solid"/>
+                      <a:round/>
+                      <a:headEnd type="none" w="med" len="med"/>
+                      <a:tailEnd type="none" w="med" len="med"/>
+                    </a:lnB>
+                    <a:solidFill>
+                      <a:schemeClr val="tx2">
+                        <a:lumMod val="40000"/>
+                        <a:lumOff val="60000"/>
+                      </a:schemeClr>
+                    </a:solidFill>
+                  </a:tcPr>
+                </a:tc>
+              </a:tr>
+              <a:tr h="370840">
+                <a:tc>
+                  <a:txBody>
+                    <a:bodyPr/>
+                    <a:lstStyle/>
+                    <a:p>
+                      <a:r>
+                        <a:rPr lang="en-US" b="0" dirty="0" smtClean="0">
+                          <a:solidFill>
+                            <a:schemeClr val="bg1"/>
+                          </a:solidFill>
+                        </a:rPr>
+                        <a:t>RVM </a:t>
+                      </a:r>
+                      <a:r>
+                        <a:rPr lang="en-US" b="0" baseline="0" dirty="0" smtClean="0">
+                          <a:solidFill>
+                            <a:schemeClr val="bg1"/>
+                          </a:solidFill>
+                        </a:rPr>
+                        <a:t>Requirement Wording</a:t>
+                      </a:r>
+                      <a:endParaRPr lang="en-US" b="0" dirty="0">
+                        <a:solidFill>
+                          <a:schemeClr val="bg1"/>
+                        </a:solidFill>
+                      </a:endParaRPr>
+                    </a:p>
+                  </a:txBody>
+                  <a:tcPr anchor="ctr">
+                    <a:lnL w="12700" cap="flat" cmpd="sng" algn="ctr">
+                      <a:solidFill>
+                        <a:schemeClr val="tx1"/>
+                      </a:solidFill>
+                      <a:prstDash val="solid"/>
+                      <a:round/>
+                      <a:headEnd type="none" w="med" len="med"/>
+                      <a:tailEnd type="none" w="med" len="med"/>
+                    </a:lnL>
+                    <a:lnR w="12700" cap="flat" cmpd="sng" algn="ctr">
+                      <a:solidFill>
+                        <a:schemeClr val="tx1"/>
+                      </a:solidFill>
+                      <a:prstDash val="solid"/>
+                      <a:round/>
+                      <a:headEnd type="none" w="med" len="med"/>
+                      <a:tailEnd type="none" w="med" len="med"/>
+                    </a:lnR>
+                    <a:lnT w="12700" cap="flat" cmpd="sng" algn="ctr">
+                      <a:solidFill>
+                        <a:schemeClr val="tx1"/>
+                      </a:solidFill>
+                      <a:prstDash val="solid"/>
+                      <a:round/>
+                      <a:headEnd type="none" w="med" len="med"/>
+                      <a:tailEnd type="none" w="med" len="med"/>
+                    </a:lnT>
+                    <a:lnB w="12700" cap="flat" cmpd="sng" algn="ctr">
+                      <a:solidFill>
+                        <a:schemeClr val="tx1"/>
+                      </a:solidFill>
+                      <a:prstDash val="solid"/>
+                      <a:round/>
+                      <a:headEnd type="none" w="med" len="med"/>
+                      <a:tailEnd type="none" w="med" len="med"/>
+                    </a:lnB>
+                    <a:solidFill>
+                      <a:schemeClr val="tx2">
+                        <a:lumMod val="75000"/>
+                      </a:schemeClr>
+                    </a:solidFill>
+                  </a:tcPr>
+                </a:tc>
+                <a:tc>
+                  <a:txBody>
+                    <a:bodyPr/>
+                    <a:lstStyle/>
+                    <a:p>
+                      <a:pPr lvl="0"/>
+                      <a:r>
+                        <a:rPr lang="en-US" sz="1800" b="1" kern="1200" dirty="0" smtClean="0">
+                          <a:solidFill>
+                            <a:schemeClr val="dk1"/>
+                          </a:solidFill>
+                          <a:effectLst/>
+                          <a:latin typeface="+mn-lt"/>
+                          <a:ea typeface="+mn-ea"/>
+                          <a:cs typeface="+mn-cs"/>
+                        </a:rPr>
+                        <a:t>“The Center of Gravity of Jade and Turquoise Shall be Located within a Sphere of 2 cm of their Geometric Center”</a:t>
+                      </a:r>
+                      <a:endParaRPr lang="en-US" sz="1800" kern="1200" dirty="0">
+                        <a:solidFill>
+                          <a:schemeClr val="dk1"/>
+                        </a:solidFill>
+                        <a:effectLst/>
+                        <a:latin typeface="+mn-lt"/>
+                        <a:ea typeface="+mn-ea"/>
+                        <a:cs typeface="+mn-cs"/>
+                      </a:endParaRPr>
+                    </a:p>
+                  </a:txBody>
+                  <a:tcPr>
+                    <a:lnL w="12700" cap="flat" cmpd="sng" algn="ctr">
+                      <a:solidFill>
+                        <a:schemeClr val="tx1"/>
+                      </a:solidFill>
+                      <a:prstDash val="solid"/>
+                      <a:round/>
+                      <a:headEnd type="none" w="med" len="med"/>
+                      <a:tailEnd type="none" w="med" len="med"/>
+                    </a:lnL>
+                    <a:lnR w="12700" cap="flat" cmpd="sng" algn="ctr">
+                      <a:solidFill>
+                        <a:schemeClr val="tx1"/>
+                      </a:solidFill>
+                      <a:prstDash val="solid"/>
+                      <a:round/>
+                      <a:headEnd type="none" w="med" len="med"/>
+                      <a:tailEnd type="none" w="med" len="med"/>
+                    </a:lnR>
+                    <a:lnT w="12700" cap="flat" cmpd="sng" algn="ctr">
+                      <a:solidFill>
+                        <a:schemeClr val="tx1"/>
+                      </a:solidFill>
+                      <a:prstDash val="solid"/>
+                      <a:round/>
+                      <a:headEnd type="none" w="med" len="med"/>
+                      <a:tailEnd type="none" w="med" len="med"/>
+                    </a:lnT>
+                    <a:lnB w="12700" cap="flat" cmpd="sng" algn="ctr">
+                      <a:solidFill>
+                        <a:schemeClr val="tx1"/>
+                      </a:solidFill>
+                      <a:prstDash val="solid"/>
+                      <a:round/>
+                      <a:headEnd type="none" w="med" len="med"/>
+                      <a:tailEnd type="none" w="med" len="med"/>
+                    </a:lnB>
+                    <a:solidFill>
+                      <a:schemeClr val="tx2">
+                        <a:lumMod val="40000"/>
+                        <a:lumOff val="60000"/>
+                      </a:schemeClr>
+                    </a:solidFill>
+                  </a:tcPr>
+                </a:tc>
+              </a:tr>
+              <a:tr h="370840">
+                <a:tc>
+                  <a:txBody>
+                    <a:bodyPr/>
+                    <a:lstStyle/>
+                    <a:p>
+                      <a:r>
+                        <a:rPr lang="en-US" b="0" dirty="0" smtClean="0">
+                          <a:solidFill>
+                            <a:schemeClr val="bg1"/>
+                          </a:solidFill>
+                        </a:rPr>
+                        <a:t>Validation Method</a:t>
+                      </a:r>
+                      <a:endParaRPr lang="en-US" b="0" dirty="0">
+                        <a:solidFill>
+                          <a:schemeClr val="bg1"/>
+                        </a:solidFill>
+                      </a:endParaRPr>
+                    </a:p>
+                  </a:txBody>
+                  <a:tcPr anchor="ctr">
+                    <a:lnL w="12700" cap="flat" cmpd="sng" algn="ctr">
+                      <a:solidFill>
+                        <a:schemeClr val="tx1"/>
+                      </a:solidFill>
+                      <a:prstDash val="solid"/>
+                      <a:round/>
+                      <a:headEnd type="none" w="med" len="med"/>
+                      <a:tailEnd type="none" w="med" len="med"/>
+                    </a:lnL>
+                    <a:lnR w="12700" cap="flat" cmpd="sng" algn="ctr">
+                      <a:solidFill>
+                        <a:schemeClr val="tx1"/>
+                      </a:solidFill>
+                      <a:prstDash val="solid"/>
+                      <a:round/>
+                      <a:headEnd type="none" w="med" len="med"/>
+                      <a:tailEnd type="none" w="med" len="med"/>
+                    </a:lnR>
+                    <a:lnT w="12700" cap="flat" cmpd="sng" algn="ctr">
+                      <a:solidFill>
+                        <a:schemeClr val="tx1"/>
+                      </a:solidFill>
+                      <a:prstDash val="solid"/>
+                      <a:round/>
+                      <a:headEnd type="none" w="med" len="med"/>
+                      <a:tailEnd type="none" w="med" len="med"/>
+                    </a:lnT>
+                    <a:lnB w="12700" cap="flat" cmpd="sng" algn="ctr">
+                      <a:solidFill>
+                        <a:schemeClr val="tx1"/>
+                      </a:solidFill>
+                      <a:prstDash val="solid"/>
+                      <a:round/>
+                      <a:headEnd type="none" w="med" len="med"/>
+                      <a:tailEnd type="none" w="med" len="med"/>
+                    </a:lnB>
+                    <a:solidFill>
+                      <a:schemeClr val="tx2">
+                        <a:lumMod val="75000"/>
+                      </a:schemeClr>
+                    </a:solidFill>
+                  </a:tcPr>
+                </a:tc>
+                <a:tc>
+                  <a:txBody>
+                    <a:bodyPr/>
+                    <a:lstStyle/>
+                    <a:p>
+                      <a:r>
+                        <a:rPr lang="en-US" b="1" i="1" baseline="0" dirty="0" smtClean="0">
+                          <a:solidFill>
+                            <a:schemeClr val="tx1"/>
+                          </a:solidFill>
+                        </a:rPr>
+                        <a:t>Analyze</a:t>
+                      </a:r>
+                      <a:endParaRPr lang="en-US" b="1" i="1" dirty="0">
+                        <a:solidFill>
+                          <a:schemeClr val="tx1"/>
+                        </a:solidFill>
+                      </a:endParaRPr>
+                    </a:p>
+                  </a:txBody>
+                  <a:tcPr>
+                    <a:lnL w="12700" cap="flat" cmpd="sng" algn="ctr">
+                      <a:solidFill>
+                        <a:schemeClr val="tx1"/>
+                      </a:solidFill>
+                      <a:prstDash val="solid"/>
+                      <a:round/>
+                      <a:headEnd type="none" w="med" len="med"/>
+                      <a:tailEnd type="none" w="med" len="med"/>
+                    </a:lnL>
+                    <a:lnR w="12700" cap="flat" cmpd="sng" algn="ctr">
+                      <a:solidFill>
+                        <a:schemeClr val="tx1"/>
+                      </a:solidFill>
+                      <a:prstDash val="solid"/>
+                      <a:round/>
+                      <a:headEnd type="none" w="med" len="med"/>
+                      <a:tailEnd type="none" w="med" len="med"/>
+                    </a:lnR>
+                    <a:lnT w="12700" cap="flat" cmpd="sng" algn="ctr">
+                      <a:solidFill>
+                        <a:schemeClr val="tx1"/>
+                      </a:solidFill>
+                      <a:prstDash val="solid"/>
+                      <a:round/>
+                      <a:headEnd type="none" w="med" len="med"/>
+                      <a:tailEnd type="none" w="med" len="med"/>
+                    </a:lnT>
+                    <a:lnB w="12700" cap="flat" cmpd="sng" algn="ctr">
+                      <a:solidFill>
+                        <a:schemeClr val="tx1"/>
+                      </a:solidFill>
+                      <a:prstDash val="solid"/>
+                      <a:round/>
+                      <a:headEnd type="none" w="med" len="med"/>
+                      <a:tailEnd type="none" w="med" len="med"/>
+                    </a:lnB>
+                    <a:solidFill>
+                      <a:schemeClr val="tx2">
+                        <a:lumMod val="40000"/>
+                        <a:lumOff val="60000"/>
+                      </a:schemeClr>
+                    </a:solidFill>
+                  </a:tcPr>
+                </a:tc>
+              </a:tr>
+            </a:tbl>
+          </a:graphicData>
+        </a:graphic>
+      </p:graphicFrame>
+      <p:sp>
+        <p:nvSpPr>
+          <p:cNvPr id="5" name="TextBox 4"/>
+          <p:cNvSpPr txBox="1"/>
+          <p:nvPr/>
+        </p:nvSpPr>
+        <p:spPr>
+          <a:xfrm>
+            <a:off x="381000" y="3676471"/>
+            <a:ext cx="8305800" cy="1569660"/>
+          </a:xfrm>
+          <a:prstGeom prst="rect">
+            <a:avLst/>
+          </a:prstGeom>
+          <a:noFill/>
+        </p:spPr>
+        <p:txBody>
+          <a:bodyPr wrap="square" rtlCol="0">
+            <a:spAutoFit/>
+          </a:bodyPr>
+          <a:lstStyle/>
+          <a:p>
+            <a:r>
+              <a:rPr lang="en-US" sz="2400" dirty="0" smtClean="0"/>
+              <a:t>Jade is sub satellite 1 and Turquoise is sub satellite 2 of Team Bravo’s </a:t>
+            </a:r>
+            <a:r>
+              <a:rPr lang="en-US" sz="2400" dirty="0" err="1" smtClean="0"/>
+              <a:t>CubeSat</a:t>
+            </a:r>
+            <a:r>
+              <a:rPr lang="en-US" sz="2400" dirty="0" smtClean="0"/>
+              <a:t> Project and having the centers of gravity of each of the cubes close to their geometric centers makes for more coordinated movements.</a:t>
+            </a:r>
+            <a:endParaRPr lang="en-US" sz="2400" dirty="0"/>
+          </a:p>
+        </p:txBody>
+      </p:sp>
+    </p:spTree>
+    <p:extLst>
+      <p:ext uri="{BB962C8B-B14F-4D97-AF65-F5344CB8AC3E}">
+        <p14:creationId xmlns:p14="http://schemas.microsoft.com/office/powerpoint/2010/main" val="217802737"/>
+      </p:ext>
+    </p:extLst>
+  </p:cSld>
+  <p:clrMapOvr>
+    <a:masterClrMapping/>
+  </p:clrMapOvr>
+  <p:timing>
+    <p:tnLst>
+      <p:par>
+        <p:cTn id="1" dur="indefinite" restart="never" nodeType="tmRoot"/>
+      </p:par>
+    </p:tnLst>
+  </p:timing>
+</p:sld>
+</file>
+
+<file path=ppt/slides/slide7.xml><?xml version="1.0" encoding="utf-8"?>
+<p:sld xmlns:a="http://schemas.openxmlformats.org/drawingml/2006/main" xmlns:r="http://schemas.openxmlformats.org/officeDocument/2006/relationships" xmlns:p="http://schemas.openxmlformats.org/presentationml/2006/main">
+  <p:cSld>
+    <p:spTree>
+      <p:nvGrpSpPr>
+        <p:cNvPr id="1" name=""/>
+        <p:cNvGrpSpPr/>
+        <p:nvPr/>
+      </p:nvGrpSpPr>
+      <p:grpSpPr>
+        <a:xfrm>
+          <a:off x="0" y="0"/>
+          <a:ext cx="0" cy="0"/>
+          <a:chOff x="0" y="0"/>
+          <a:chExt cx="0" cy="0"/>
+        </a:xfrm>
+      </p:grpSpPr>
+      <p:sp>
+        <p:nvSpPr>
+          <p:cNvPr id="2" name="Title 1"/>
+          <p:cNvSpPr>
+            <a:spLocks noGrp="1"/>
+          </p:cNvSpPr>
+          <p:nvPr>
+            <p:ph type="title"/>
+          </p:nvPr>
+        </p:nvSpPr>
+        <p:spPr/>
+        <p:txBody>
+          <a:bodyPr>
+            <a:normAutofit/>
+          </a:bodyPr>
+          <a:lstStyle/>
+          <a:p>
+            <a:r>
+              <a:rPr lang="en-US" i="1" dirty="0" smtClean="0"/>
+              <a:t>RCL.PL.STR13</a:t>
+            </a:r>
+            <a:endParaRPr lang="en-US" i="1" dirty="0"/>
+          </a:p>
+        </p:txBody>
+      </p:sp>
+      <p:graphicFrame>
+        <p:nvGraphicFramePr>
+          <p:cNvPr id="4" name="Content Placeholder 3"/>
+          <p:cNvGraphicFramePr>
+            <a:graphicFrameLocks noGrp="1"/>
+          </p:cNvGraphicFramePr>
+          <p:nvPr>
+            <p:ph idx="1"/>
+            <p:extLst>
+              <p:ext uri="{D42A27DB-BD31-4B8C-83A1-F6EECF244321}">
+                <p14:modId xmlns:p14="http://schemas.microsoft.com/office/powerpoint/2010/main" val="3016634820"/>
+              </p:ext>
+            </p:extLst>
+          </p:nvPr>
+        </p:nvGraphicFramePr>
+        <p:xfrm>
+          <a:off x="457200" y="1371600"/>
+          <a:ext cx="8229600" cy="1381760"/>
+        </p:xfrm>
+        <a:graphic>
+          <a:graphicData uri="http://schemas.openxmlformats.org/drawingml/2006/table">
+            <a:tbl>
+              <a:tblPr firstRow="1" bandRow="1">
+                <a:tableStyleId>{5C22544A-7EE6-4342-B048-85BDC9FD1C3A}</a:tableStyleId>
+              </a:tblPr>
+              <a:tblGrid>
+                <a:gridCol w="3200400"/>
+                <a:gridCol w="5029200"/>
+              </a:tblGrid>
+              <a:tr h="370840">
+                <a:tc>
+                  <a:txBody>
+                    <a:bodyPr/>
+                    <a:lstStyle/>
+                    <a:p>
+                      <a:r>
+                        <a:rPr lang="en-US" b="0" dirty="0" smtClean="0">
+                          <a:solidFill>
+                            <a:schemeClr val="bg1"/>
+                          </a:solidFill>
+                        </a:rPr>
+                        <a:t> RVM Requirement Number</a:t>
+                      </a:r>
+                      <a:endParaRPr lang="en-US" b="0" dirty="0">
+                        <a:solidFill>
+                          <a:schemeClr val="bg1"/>
+                        </a:solidFill>
+                      </a:endParaRPr>
+                    </a:p>
+                  </a:txBody>
+                  <a:tcPr anchor="ctr">
+                    <a:lnL w="12700" cap="flat" cmpd="sng" algn="ctr">
+                      <a:solidFill>
+                        <a:schemeClr val="tx1"/>
+                      </a:solidFill>
+                      <a:prstDash val="solid"/>
+                      <a:round/>
+                      <a:headEnd type="none" w="med" len="med"/>
+                      <a:tailEnd type="none" w="med" len="med"/>
+                    </a:lnL>
+                    <a:lnR w="12700" cap="flat" cmpd="sng" algn="ctr">
+                      <a:solidFill>
+                        <a:schemeClr val="tx1"/>
+                      </a:solidFill>
+                      <a:prstDash val="solid"/>
+                      <a:round/>
+                      <a:headEnd type="none" w="med" len="med"/>
+                      <a:tailEnd type="none" w="med" len="med"/>
+                    </a:lnR>
+                    <a:lnT w="12700" cap="flat" cmpd="sng" algn="ctr">
+                      <a:solidFill>
+                        <a:schemeClr val="tx1"/>
+                      </a:solidFill>
+                      <a:prstDash val="solid"/>
+                      <a:round/>
+                      <a:headEnd type="none" w="med" len="med"/>
+                      <a:tailEnd type="none" w="med" len="med"/>
+                    </a:lnT>
+                    <a:lnB w="12700" cap="flat" cmpd="sng" algn="ctr">
+                      <a:solidFill>
+                        <a:schemeClr val="tx1"/>
+                      </a:solidFill>
+                      <a:prstDash val="solid"/>
+                      <a:round/>
+                      <a:headEnd type="none" w="med" len="med"/>
+                      <a:tailEnd type="none" w="med" len="med"/>
+                    </a:lnB>
+                    <a:solidFill>
+                      <a:schemeClr val="tx2">
+                        <a:lumMod val="75000"/>
+                      </a:schemeClr>
+                    </a:solidFill>
+                  </a:tcPr>
+                </a:tc>
+                <a:tc>
+                  <a:txBody>
+                    <a:bodyPr/>
+                    <a:lstStyle/>
+                    <a:p>
+                      <a:r>
+                        <a:rPr lang="en-US" b="1" dirty="0" smtClean="0">
+                          <a:solidFill>
+                            <a:schemeClr val="tx1"/>
+                          </a:solidFill>
+                        </a:rPr>
+                        <a:t>STR13</a:t>
+                      </a:r>
+                      <a:endParaRPr lang="en-US" b="1" dirty="0">
+                        <a:solidFill>
+                          <a:schemeClr val="tx1"/>
+                        </a:solidFill>
+                      </a:endParaRPr>
+                    </a:p>
+                  </a:txBody>
+                  <a:tcPr>
+                    <a:lnL w="12700" cap="flat" cmpd="sng" algn="ctr">
+                      <a:solidFill>
+                        <a:schemeClr val="tx1"/>
+                      </a:solidFill>
+                      <a:prstDash val="solid"/>
+                      <a:round/>
+                      <a:headEnd type="none" w="med" len="med"/>
+                      <a:tailEnd type="none" w="med" len="med"/>
+                    </a:lnL>
+                    <a:lnR w="12700" cap="flat" cmpd="sng" algn="ctr">
+                      <a:solidFill>
+                        <a:schemeClr val="tx1"/>
+                      </a:solidFill>
+                      <a:prstDash val="solid"/>
+                      <a:round/>
+                      <a:headEnd type="none" w="med" len="med"/>
+                      <a:tailEnd type="none" w="med" len="med"/>
+                    </a:lnR>
+                    <a:lnT w="12700" cap="flat" cmpd="sng" algn="ctr">
+                      <a:solidFill>
+                        <a:schemeClr val="tx1"/>
+                      </a:solidFill>
+                      <a:prstDash val="solid"/>
+                      <a:round/>
+                      <a:headEnd type="none" w="med" len="med"/>
+                      <a:tailEnd type="none" w="med" len="med"/>
+                    </a:lnT>
+                    <a:lnB w="12700" cap="flat" cmpd="sng" algn="ctr">
+                      <a:solidFill>
+                        <a:schemeClr val="tx1"/>
+                      </a:solidFill>
+                      <a:prstDash val="solid"/>
+                      <a:round/>
+                      <a:headEnd type="none" w="med" len="med"/>
+                      <a:tailEnd type="none" w="med" len="med"/>
+                    </a:lnB>
+                    <a:solidFill>
+                      <a:schemeClr val="tx2">
+                        <a:lumMod val="40000"/>
+                        <a:lumOff val="60000"/>
+                      </a:schemeClr>
+                    </a:solidFill>
+                  </a:tcPr>
+                </a:tc>
+              </a:tr>
+              <a:tr h="370840">
+                <a:tc>
+                  <a:txBody>
+                    <a:bodyPr/>
+                    <a:lstStyle/>
+                    <a:p>
+                      <a:r>
+                        <a:rPr lang="en-US" b="0" dirty="0" smtClean="0">
+                          <a:solidFill>
+                            <a:schemeClr val="bg1"/>
+                          </a:solidFill>
+                        </a:rPr>
+                        <a:t>RVM </a:t>
+                      </a:r>
+                      <a:r>
+                        <a:rPr lang="en-US" b="0" baseline="0" dirty="0" smtClean="0">
+                          <a:solidFill>
+                            <a:schemeClr val="bg1"/>
+                          </a:solidFill>
+                        </a:rPr>
+                        <a:t>Requirement Wording</a:t>
+                      </a:r>
+                      <a:endParaRPr lang="en-US" b="0" dirty="0">
+                        <a:solidFill>
+                          <a:schemeClr val="bg1"/>
+                        </a:solidFill>
+                      </a:endParaRPr>
+                    </a:p>
+                  </a:txBody>
+                  <a:tcPr anchor="ctr">
+                    <a:lnL w="12700" cap="flat" cmpd="sng" algn="ctr">
+                      <a:solidFill>
+                        <a:schemeClr val="tx1"/>
+                      </a:solidFill>
+                      <a:prstDash val="solid"/>
+                      <a:round/>
+                      <a:headEnd type="none" w="med" len="med"/>
+                      <a:tailEnd type="none" w="med" len="med"/>
+                    </a:lnL>
+                    <a:lnR w="12700" cap="flat" cmpd="sng" algn="ctr">
+                      <a:solidFill>
+                        <a:schemeClr val="tx1"/>
+                      </a:solidFill>
+                      <a:prstDash val="solid"/>
+                      <a:round/>
+                      <a:headEnd type="none" w="med" len="med"/>
+                      <a:tailEnd type="none" w="med" len="med"/>
+                    </a:lnR>
+                    <a:lnT w="12700" cap="flat" cmpd="sng" algn="ctr">
+                      <a:solidFill>
+                        <a:schemeClr val="tx1"/>
+                      </a:solidFill>
+                      <a:prstDash val="solid"/>
+                      <a:round/>
+                      <a:headEnd type="none" w="med" len="med"/>
+                      <a:tailEnd type="none" w="med" len="med"/>
+                    </a:lnT>
+                    <a:lnB w="12700" cap="flat" cmpd="sng" algn="ctr">
+                      <a:solidFill>
+                        <a:schemeClr val="tx1"/>
+                      </a:solidFill>
+                      <a:prstDash val="solid"/>
+                      <a:round/>
+                      <a:headEnd type="none" w="med" len="med"/>
+                      <a:tailEnd type="none" w="med" len="med"/>
+                    </a:lnB>
+                    <a:solidFill>
+                      <a:schemeClr val="tx2">
+                        <a:lumMod val="75000"/>
+                      </a:schemeClr>
+                    </a:solidFill>
+                  </a:tcPr>
+                </a:tc>
+                <a:tc>
+                  <a:txBody>
+                    <a:bodyPr/>
+                    <a:lstStyle/>
+                    <a:p>
+                      <a:pPr lvl="0"/>
+                      <a:r>
+                        <a:rPr lang="en-US" sz="1800" b="1" kern="1200" dirty="0" smtClean="0">
+                          <a:solidFill>
+                            <a:schemeClr val="dk1"/>
+                          </a:solidFill>
+                          <a:effectLst/>
+                          <a:latin typeface="+mn-lt"/>
+                          <a:ea typeface="+mn-ea"/>
+                          <a:cs typeface="+mn-cs"/>
+                        </a:rPr>
+                        <a:t>“The </a:t>
+                      </a:r>
+                      <a:r>
+                        <a:rPr lang="en-US" sz="1800" b="1" kern="1200" dirty="0" err="1" smtClean="0">
+                          <a:solidFill>
+                            <a:schemeClr val="dk1"/>
+                          </a:solidFill>
+                          <a:effectLst/>
+                          <a:latin typeface="+mn-lt"/>
+                          <a:ea typeface="+mn-ea"/>
+                          <a:cs typeface="+mn-cs"/>
+                        </a:rPr>
+                        <a:t>CubeSat</a:t>
+                      </a:r>
+                      <a:r>
+                        <a:rPr lang="en-US" sz="1800" b="1" kern="1200" dirty="0" smtClean="0">
+                          <a:solidFill>
+                            <a:schemeClr val="dk1"/>
+                          </a:solidFill>
+                          <a:effectLst/>
+                          <a:latin typeface="+mn-lt"/>
+                          <a:ea typeface="+mn-ea"/>
+                          <a:cs typeface="+mn-cs"/>
+                        </a:rPr>
+                        <a:t> System Coordinate System Shall be Defined As Specified in Figure 1-1”</a:t>
+                      </a:r>
+                      <a:endParaRPr lang="en-US" sz="1800" kern="1200" dirty="0">
+                        <a:solidFill>
+                          <a:schemeClr val="dk1"/>
+                        </a:solidFill>
+                        <a:effectLst/>
+                        <a:latin typeface="+mn-lt"/>
+                        <a:ea typeface="+mn-ea"/>
+                        <a:cs typeface="+mn-cs"/>
+                      </a:endParaRPr>
+                    </a:p>
+                  </a:txBody>
+                  <a:tcPr>
+                    <a:lnL w="12700" cap="flat" cmpd="sng" algn="ctr">
+                      <a:solidFill>
+                        <a:schemeClr val="tx1"/>
+                      </a:solidFill>
+                      <a:prstDash val="solid"/>
+                      <a:round/>
+                      <a:headEnd type="none" w="med" len="med"/>
+                      <a:tailEnd type="none" w="med" len="med"/>
+                    </a:lnL>
+                    <a:lnR w="12700" cap="flat" cmpd="sng" algn="ctr">
+                      <a:solidFill>
+                        <a:schemeClr val="tx1"/>
+                      </a:solidFill>
+                      <a:prstDash val="solid"/>
+                      <a:round/>
+                      <a:headEnd type="none" w="med" len="med"/>
+                      <a:tailEnd type="none" w="med" len="med"/>
+                    </a:lnR>
+                    <a:lnT w="12700" cap="flat" cmpd="sng" algn="ctr">
+                      <a:solidFill>
+                        <a:schemeClr val="tx1"/>
+                      </a:solidFill>
+                      <a:prstDash val="solid"/>
+                      <a:round/>
+                      <a:headEnd type="none" w="med" len="med"/>
+                      <a:tailEnd type="none" w="med" len="med"/>
+                    </a:lnT>
+                    <a:lnB w="12700" cap="flat" cmpd="sng" algn="ctr">
+                      <a:solidFill>
+                        <a:schemeClr val="tx1"/>
+                      </a:solidFill>
+                      <a:prstDash val="solid"/>
+                      <a:round/>
+                      <a:headEnd type="none" w="med" len="med"/>
+                      <a:tailEnd type="none" w="med" len="med"/>
+                    </a:lnB>
+                    <a:solidFill>
+                      <a:schemeClr val="tx2">
+                        <a:lumMod val="40000"/>
+                        <a:lumOff val="60000"/>
+                      </a:schemeClr>
+                    </a:solidFill>
+                  </a:tcPr>
+                </a:tc>
+              </a:tr>
+              <a:tr h="370840">
+                <a:tc>
+                  <a:txBody>
+                    <a:bodyPr/>
+                    <a:lstStyle/>
+                    <a:p>
+                      <a:r>
+                        <a:rPr lang="en-US" b="0" dirty="0" smtClean="0">
+                          <a:solidFill>
+                            <a:schemeClr val="bg1"/>
+                          </a:solidFill>
+                        </a:rPr>
+                        <a:t>Validation Method</a:t>
+                      </a:r>
+                      <a:endParaRPr lang="en-US" b="0" dirty="0">
+                        <a:solidFill>
+                          <a:schemeClr val="bg1"/>
+                        </a:solidFill>
+                      </a:endParaRPr>
+                    </a:p>
+                  </a:txBody>
+                  <a:tcPr anchor="ctr">
+                    <a:lnL w="12700" cap="flat" cmpd="sng" algn="ctr">
+                      <a:solidFill>
+                        <a:schemeClr val="tx1"/>
+                      </a:solidFill>
+                      <a:prstDash val="solid"/>
+                      <a:round/>
+                      <a:headEnd type="none" w="med" len="med"/>
+                      <a:tailEnd type="none" w="med" len="med"/>
+                    </a:lnL>
+                    <a:lnR w="12700" cap="flat" cmpd="sng" algn="ctr">
+                      <a:solidFill>
+                        <a:schemeClr val="tx1"/>
+                      </a:solidFill>
+                      <a:prstDash val="solid"/>
+                      <a:round/>
+                      <a:headEnd type="none" w="med" len="med"/>
+                      <a:tailEnd type="none" w="med" len="med"/>
+                    </a:lnR>
+                    <a:lnT w="12700" cap="flat" cmpd="sng" algn="ctr">
+                      <a:solidFill>
+                        <a:schemeClr val="tx1"/>
+                      </a:solidFill>
+                      <a:prstDash val="solid"/>
+                      <a:round/>
+                      <a:headEnd type="none" w="med" len="med"/>
+                      <a:tailEnd type="none" w="med" len="med"/>
+                    </a:lnT>
+                    <a:lnB w="12700" cap="flat" cmpd="sng" algn="ctr">
+                      <a:solidFill>
+                        <a:schemeClr val="tx1"/>
+                      </a:solidFill>
+                      <a:prstDash val="solid"/>
+                      <a:round/>
+                      <a:headEnd type="none" w="med" len="med"/>
+                      <a:tailEnd type="none" w="med" len="med"/>
+                    </a:lnB>
+                    <a:solidFill>
+                      <a:schemeClr val="tx2">
+                        <a:lumMod val="75000"/>
+                      </a:schemeClr>
+                    </a:solidFill>
+                  </a:tcPr>
+                </a:tc>
+                <a:tc>
+                  <a:txBody>
+                    <a:bodyPr/>
+                    <a:lstStyle/>
+                    <a:p>
+                      <a:r>
+                        <a:rPr lang="en-US" b="1" i="1" baseline="0" dirty="0" smtClean="0">
+                          <a:solidFill>
+                            <a:schemeClr val="tx1"/>
+                          </a:solidFill>
+                        </a:rPr>
+                        <a:t>Examine</a:t>
+                      </a:r>
+                      <a:endParaRPr lang="en-US" b="1" i="1" dirty="0">
+                        <a:solidFill>
+                          <a:schemeClr val="tx1"/>
+                        </a:solidFill>
+                      </a:endParaRPr>
+                    </a:p>
+                  </a:txBody>
+                  <a:tcPr>
+                    <a:lnL w="12700" cap="flat" cmpd="sng" algn="ctr">
+                      <a:solidFill>
+                        <a:schemeClr val="tx1"/>
+                      </a:solidFill>
+                      <a:prstDash val="solid"/>
+                      <a:round/>
+                      <a:headEnd type="none" w="med" len="med"/>
+                      <a:tailEnd type="none" w="med" len="med"/>
+                    </a:lnL>
+                    <a:lnR w="12700" cap="flat" cmpd="sng" algn="ctr">
+                      <a:solidFill>
+                        <a:schemeClr val="tx1"/>
+                      </a:solidFill>
+                      <a:prstDash val="solid"/>
+                      <a:round/>
+                      <a:headEnd type="none" w="med" len="med"/>
+                      <a:tailEnd type="none" w="med" len="med"/>
+                    </a:lnR>
+                    <a:lnT w="12700" cap="flat" cmpd="sng" algn="ctr">
+                      <a:solidFill>
+                        <a:schemeClr val="tx1"/>
+                      </a:solidFill>
+                      <a:prstDash val="solid"/>
+                      <a:round/>
+                      <a:headEnd type="none" w="med" len="med"/>
+                      <a:tailEnd type="none" w="med" len="med"/>
+                    </a:lnT>
+                    <a:lnB w="12700" cap="flat" cmpd="sng" algn="ctr">
+                      <a:solidFill>
+                        <a:schemeClr val="tx1"/>
+                      </a:solidFill>
+                      <a:prstDash val="solid"/>
+                      <a:round/>
+                      <a:headEnd type="none" w="med" len="med"/>
+                      <a:tailEnd type="none" w="med" len="med"/>
+                    </a:lnB>
+                    <a:solidFill>
+                      <a:schemeClr val="tx2">
+                        <a:lumMod val="40000"/>
+                        <a:lumOff val="60000"/>
+                      </a:schemeClr>
+                    </a:solidFill>
+                  </a:tcPr>
+                </a:tc>
+              </a:tr>
+            </a:tbl>
+          </a:graphicData>
+        </a:graphic>
+      </p:graphicFrame>
+      <p:sp>
+        <p:nvSpPr>
+          <p:cNvPr id="5" name="TextBox 4"/>
+          <p:cNvSpPr txBox="1"/>
+          <p:nvPr/>
+        </p:nvSpPr>
+        <p:spPr>
+          <a:xfrm>
+            <a:off x="313151" y="3200400"/>
+            <a:ext cx="4191000" cy="2677656"/>
+          </a:xfrm>
+          <a:prstGeom prst="rect">
+            <a:avLst/>
+          </a:prstGeom>
+          <a:noFill/>
+        </p:spPr>
+        <p:txBody>
+          <a:bodyPr wrap="square" rtlCol="0">
+            <a:spAutoFit/>
+          </a:bodyPr>
+          <a:lstStyle/>
+          <a:p>
+            <a:r>
+              <a:rPr lang="en-US" sz="2400" dirty="0" smtClean="0"/>
+              <a:t>Defined orientations are crucial in any space mission. Knowing that the z surface is inserted into the P-POD first, that the railings are along the y face, and the deployment switch is on the z surface leaves no ambiguity. </a:t>
+            </a:r>
+            <a:endParaRPr lang="en-US" sz="2400" dirty="0"/>
+          </a:p>
+        </p:txBody>
+      </p:sp>
+      <p:pic>
+        <p:nvPicPr>
+          <p:cNvPr id="3" name="Picture 2"/>
+          <p:cNvPicPr>
+            <a:picLocks noChangeAspect="1"/>
+          </p:cNvPicPr>
+          <p:nvPr/>
+        </p:nvPicPr>
+        <p:blipFill rotWithShape="1">
+          <a:blip r:embed="rId2">
+            <a:extLst>
+              <a:ext uri="{28A0092B-C50C-407E-A947-70E740481C1C}">
+                <a14:useLocalDpi xmlns:a14="http://schemas.microsoft.com/office/drawing/2010/main" val="0"/>
+              </a:ext>
+            </a:extLst>
+          </a:blip>
+          <a:srcRect l="204" b="3546"/>
+          <a:stretch/>
+        </p:blipFill>
+        <p:spPr>
+          <a:xfrm>
+            <a:off x="4504151" y="3200400"/>
+            <a:ext cx="4097316" cy="2498942"/>
+          </a:xfrm>
+          <a:prstGeom prst="rect">
+            <a:avLst/>
+          </a:prstGeom>
+        </p:spPr>
+      </p:pic>
     </p:spTree>
     <p:extLst>
       <p:ext uri="{BB962C8B-B14F-4D97-AF65-F5344CB8AC3E}">
@@ -3650,6 +7097,548 @@
   <p:clrMapOvr>
     <a:masterClrMapping/>
   </p:clrMapOvr>
+  <p:timing>
+    <p:tnLst>
+      <p:par>
+        <p:cTn id="1" dur="indefinite" restart="never" nodeType="tmRoot"/>
+      </p:par>
+    </p:tnLst>
+  </p:timing>
+</p:sld>
+</file>
+
+<file path=ppt/slides/slide8.xml><?xml version="1.0" encoding="utf-8"?>
+<p:sld xmlns:a="http://schemas.openxmlformats.org/drawingml/2006/main" xmlns:r="http://schemas.openxmlformats.org/officeDocument/2006/relationships" xmlns:p="http://schemas.openxmlformats.org/presentationml/2006/main">
+  <p:cSld>
+    <p:spTree>
+      <p:nvGrpSpPr>
+        <p:cNvPr id="1" name=""/>
+        <p:cNvGrpSpPr/>
+        <p:nvPr/>
+      </p:nvGrpSpPr>
+      <p:grpSpPr>
+        <a:xfrm>
+          <a:off x="0" y="0"/>
+          <a:ext cx="0" cy="0"/>
+          <a:chOff x="0" y="0"/>
+          <a:chExt cx="0" cy="0"/>
+        </a:xfrm>
+      </p:grpSpPr>
+      <p:sp>
+        <p:nvSpPr>
+          <p:cNvPr id="2" name="Title 1"/>
+          <p:cNvSpPr>
+            <a:spLocks noGrp="1"/>
+          </p:cNvSpPr>
+          <p:nvPr>
+            <p:ph type="title"/>
+          </p:nvPr>
+        </p:nvSpPr>
+        <p:spPr/>
+        <p:txBody>
+          <a:bodyPr>
+            <a:normAutofit/>
+          </a:bodyPr>
+          <a:lstStyle/>
+          <a:p>
+            <a:r>
+              <a:rPr lang="en-US" i="1" dirty="0" smtClean="0"/>
+              <a:t>RCL.PL.STR14</a:t>
+            </a:r>
+            <a:endParaRPr lang="en-US" i="1" dirty="0"/>
+          </a:p>
+        </p:txBody>
+      </p:sp>
+      <p:graphicFrame>
+        <p:nvGraphicFramePr>
+          <p:cNvPr id="4" name="Content Placeholder 3"/>
+          <p:cNvGraphicFramePr>
+            <a:graphicFrameLocks noGrp="1"/>
+          </p:cNvGraphicFramePr>
+          <p:nvPr>
+            <p:ph idx="1"/>
+            <p:extLst>
+              <p:ext uri="{D42A27DB-BD31-4B8C-83A1-F6EECF244321}">
+                <p14:modId xmlns:p14="http://schemas.microsoft.com/office/powerpoint/2010/main" val="470907272"/>
+              </p:ext>
+            </p:extLst>
+          </p:nvPr>
+        </p:nvGraphicFramePr>
+        <p:xfrm>
+          <a:off x="457200" y="1371600"/>
+          <a:ext cx="8229600" cy="1656080"/>
+        </p:xfrm>
+        <a:graphic>
+          <a:graphicData uri="http://schemas.openxmlformats.org/drawingml/2006/table">
+            <a:tbl>
+              <a:tblPr firstRow="1" bandRow="1">
+                <a:tableStyleId>{5C22544A-7EE6-4342-B048-85BDC9FD1C3A}</a:tableStyleId>
+              </a:tblPr>
+              <a:tblGrid>
+                <a:gridCol w="3200400"/>
+                <a:gridCol w="5029200"/>
+              </a:tblGrid>
+              <a:tr h="370840">
+                <a:tc>
+                  <a:txBody>
+                    <a:bodyPr/>
+                    <a:lstStyle/>
+                    <a:p>
+                      <a:r>
+                        <a:rPr lang="en-US" b="0" dirty="0" smtClean="0">
+                          <a:solidFill>
+                            <a:schemeClr val="bg1"/>
+                          </a:solidFill>
+                        </a:rPr>
+                        <a:t> RVM Requirement Number</a:t>
+                      </a:r>
+                      <a:endParaRPr lang="en-US" b="0" dirty="0">
+                        <a:solidFill>
+                          <a:schemeClr val="bg1"/>
+                        </a:solidFill>
+                      </a:endParaRPr>
+                    </a:p>
+                  </a:txBody>
+                  <a:tcPr anchor="ctr">
+                    <a:lnL w="12700" cap="flat" cmpd="sng" algn="ctr">
+                      <a:solidFill>
+                        <a:schemeClr val="tx1"/>
+                      </a:solidFill>
+                      <a:prstDash val="solid"/>
+                      <a:round/>
+                      <a:headEnd type="none" w="med" len="med"/>
+                      <a:tailEnd type="none" w="med" len="med"/>
+                    </a:lnL>
+                    <a:lnR w="12700" cap="flat" cmpd="sng" algn="ctr">
+                      <a:solidFill>
+                        <a:schemeClr val="tx1"/>
+                      </a:solidFill>
+                      <a:prstDash val="solid"/>
+                      <a:round/>
+                      <a:headEnd type="none" w="med" len="med"/>
+                      <a:tailEnd type="none" w="med" len="med"/>
+                    </a:lnR>
+                    <a:lnT w="12700" cap="flat" cmpd="sng" algn="ctr">
+                      <a:solidFill>
+                        <a:schemeClr val="tx1"/>
+                      </a:solidFill>
+                      <a:prstDash val="solid"/>
+                      <a:round/>
+                      <a:headEnd type="none" w="med" len="med"/>
+                      <a:tailEnd type="none" w="med" len="med"/>
+                    </a:lnT>
+                    <a:lnB w="12700" cap="flat" cmpd="sng" algn="ctr">
+                      <a:solidFill>
+                        <a:schemeClr val="tx1"/>
+                      </a:solidFill>
+                      <a:prstDash val="solid"/>
+                      <a:round/>
+                      <a:headEnd type="none" w="med" len="med"/>
+                      <a:tailEnd type="none" w="med" len="med"/>
+                    </a:lnB>
+                    <a:solidFill>
+                      <a:schemeClr val="tx2">
+                        <a:lumMod val="75000"/>
+                      </a:schemeClr>
+                    </a:solidFill>
+                  </a:tcPr>
+                </a:tc>
+                <a:tc>
+                  <a:txBody>
+                    <a:bodyPr/>
+                    <a:lstStyle/>
+                    <a:p>
+                      <a:r>
+                        <a:rPr lang="en-US" b="1" dirty="0" smtClean="0">
+                          <a:solidFill>
+                            <a:schemeClr val="tx1"/>
+                          </a:solidFill>
+                        </a:rPr>
+                        <a:t>STR14</a:t>
+                      </a:r>
+                      <a:endParaRPr lang="en-US" b="1" dirty="0">
+                        <a:solidFill>
+                          <a:schemeClr val="tx1"/>
+                        </a:solidFill>
+                      </a:endParaRPr>
+                    </a:p>
+                  </a:txBody>
+                  <a:tcPr>
+                    <a:lnL w="12700" cap="flat" cmpd="sng" algn="ctr">
+                      <a:solidFill>
+                        <a:schemeClr val="tx1"/>
+                      </a:solidFill>
+                      <a:prstDash val="solid"/>
+                      <a:round/>
+                      <a:headEnd type="none" w="med" len="med"/>
+                      <a:tailEnd type="none" w="med" len="med"/>
+                    </a:lnL>
+                    <a:lnR w="12700" cap="flat" cmpd="sng" algn="ctr">
+                      <a:solidFill>
+                        <a:schemeClr val="tx1"/>
+                      </a:solidFill>
+                      <a:prstDash val="solid"/>
+                      <a:round/>
+                      <a:headEnd type="none" w="med" len="med"/>
+                      <a:tailEnd type="none" w="med" len="med"/>
+                    </a:lnR>
+                    <a:lnT w="12700" cap="flat" cmpd="sng" algn="ctr">
+                      <a:solidFill>
+                        <a:schemeClr val="tx1"/>
+                      </a:solidFill>
+                      <a:prstDash val="solid"/>
+                      <a:round/>
+                      <a:headEnd type="none" w="med" len="med"/>
+                      <a:tailEnd type="none" w="med" len="med"/>
+                    </a:lnT>
+                    <a:lnB w="12700" cap="flat" cmpd="sng" algn="ctr">
+                      <a:solidFill>
+                        <a:schemeClr val="tx1"/>
+                      </a:solidFill>
+                      <a:prstDash val="solid"/>
+                      <a:round/>
+                      <a:headEnd type="none" w="med" len="med"/>
+                      <a:tailEnd type="none" w="med" len="med"/>
+                    </a:lnB>
+                    <a:solidFill>
+                      <a:schemeClr val="tx2">
+                        <a:lumMod val="40000"/>
+                        <a:lumOff val="60000"/>
+                      </a:schemeClr>
+                    </a:solidFill>
+                  </a:tcPr>
+                </a:tc>
+              </a:tr>
+              <a:tr h="370840">
+                <a:tc>
+                  <a:txBody>
+                    <a:bodyPr/>
+                    <a:lstStyle/>
+                    <a:p>
+                      <a:r>
+                        <a:rPr lang="en-US" b="0" dirty="0" smtClean="0">
+                          <a:solidFill>
+                            <a:schemeClr val="bg1"/>
+                          </a:solidFill>
+                        </a:rPr>
+                        <a:t>RVM </a:t>
+                      </a:r>
+                      <a:r>
+                        <a:rPr lang="en-US" b="0" baseline="0" dirty="0" smtClean="0">
+                          <a:solidFill>
+                            <a:schemeClr val="bg1"/>
+                          </a:solidFill>
+                        </a:rPr>
+                        <a:t>Requirement Wording</a:t>
+                      </a:r>
+                      <a:endParaRPr lang="en-US" b="0" dirty="0">
+                        <a:solidFill>
+                          <a:schemeClr val="bg1"/>
+                        </a:solidFill>
+                      </a:endParaRPr>
+                    </a:p>
+                  </a:txBody>
+                  <a:tcPr anchor="ctr">
+                    <a:lnL w="12700" cap="flat" cmpd="sng" algn="ctr">
+                      <a:solidFill>
+                        <a:schemeClr val="tx1"/>
+                      </a:solidFill>
+                      <a:prstDash val="solid"/>
+                      <a:round/>
+                      <a:headEnd type="none" w="med" len="med"/>
+                      <a:tailEnd type="none" w="med" len="med"/>
+                    </a:lnL>
+                    <a:lnR w="12700" cap="flat" cmpd="sng" algn="ctr">
+                      <a:solidFill>
+                        <a:schemeClr val="tx1"/>
+                      </a:solidFill>
+                      <a:prstDash val="solid"/>
+                      <a:round/>
+                      <a:headEnd type="none" w="med" len="med"/>
+                      <a:tailEnd type="none" w="med" len="med"/>
+                    </a:lnR>
+                    <a:lnT w="12700" cap="flat" cmpd="sng" algn="ctr">
+                      <a:solidFill>
+                        <a:schemeClr val="tx1"/>
+                      </a:solidFill>
+                      <a:prstDash val="solid"/>
+                      <a:round/>
+                      <a:headEnd type="none" w="med" len="med"/>
+                      <a:tailEnd type="none" w="med" len="med"/>
+                    </a:lnT>
+                    <a:lnB w="12700" cap="flat" cmpd="sng" algn="ctr">
+                      <a:solidFill>
+                        <a:schemeClr val="tx1"/>
+                      </a:solidFill>
+                      <a:prstDash val="solid"/>
+                      <a:round/>
+                      <a:headEnd type="none" w="med" len="med"/>
+                      <a:tailEnd type="none" w="med" len="med"/>
+                    </a:lnB>
+                    <a:solidFill>
+                      <a:schemeClr val="tx2">
+                        <a:lumMod val="75000"/>
+                      </a:schemeClr>
+                    </a:solidFill>
+                  </a:tcPr>
+                </a:tc>
+                <a:tc>
+                  <a:txBody>
+                    <a:bodyPr/>
+                    <a:lstStyle/>
+                    <a:p>
+                      <a:pPr lvl="0"/>
+                      <a:r>
+                        <a:rPr lang="en-US" sz="1800" b="1" kern="1200" dirty="0" smtClean="0">
+                          <a:solidFill>
+                            <a:schemeClr val="dk1"/>
+                          </a:solidFill>
+                          <a:effectLst/>
+                          <a:latin typeface="+mn-lt"/>
+                          <a:ea typeface="+mn-ea"/>
+                          <a:cs typeface="+mn-cs"/>
+                        </a:rPr>
+                        <a:t>“The Local Coordinate System of Jade and Turquoise Shall be Defined as Specified in Figure 1-1”</a:t>
+                      </a:r>
+                      <a:endParaRPr lang="en-US" sz="1800" kern="1200" dirty="0">
+                        <a:solidFill>
+                          <a:schemeClr val="dk1"/>
+                        </a:solidFill>
+                        <a:effectLst/>
+                        <a:latin typeface="+mn-lt"/>
+                        <a:ea typeface="+mn-ea"/>
+                        <a:cs typeface="+mn-cs"/>
+                      </a:endParaRPr>
+                    </a:p>
+                  </a:txBody>
+                  <a:tcPr>
+                    <a:lnL w="12700" cap="flat" cmpd="sng" algn="ctr">
+                      <a:solidFill>
+                        <a:schemeClr val="tx1"/>
+                      </a:solidFill>
+                      <a:prstDash val="solid"/>
+                      <a:round/>
+                      <a:headEnd type="none" w="med" len="med"/>
+                      <a:tailEnd type="none" w="med" len="med"/>
+                    </a:lnL>
+                    <a:lnR w="12700" cap="flat" cmpd="sng" algn="ctr">
+                      <a:solidFill>
+                        <a:schemeClr val="tx1"/>
+                      </a:solidFill>
+                      <a:prstDash val="solid"/>
+                      <a:round/>
+                      <a:headEnd type="none" w="med" len="med"/>
+                      <a:tailEnd type="none" w="med" len="med"/>
+                    </a:lnR>
+                    <a:lnT w="12700" cap="flat" cmpd="sng" algn="ctr">
+                      <a:solidFill>
+                        <a:schemeClr val="tx1"/>
+                      </a:solidFill>
+                      <a:prstDash val="solid"/>
+                      <a:round/>
+                      <a:headEnd type="none" w="med" len="med"/>
+                      <a:tailEnd type="none" w="med" len="med"/>
+                    </a:lnT>
+                    <a:lnB w="12700" cap="flat" cmpd="sng" algn="ctr">
+                      <a:solidFill>
+                        <a:schemeClr val="tx1"/>
+                      </a:solidFill>
+                      <a:prstDash val="solid"/>
+                      <a:round/>
+                      <a:headEnd type="none" w="med" len="med"/>
+                      <a:tailEnd type="none" w="med" len="med"/>
+                    </a:lnB>
+                    <a:solidFill>
+                      <a:schemeClr val="tx2">
+                        <a:lumMod val="40000"/>
+                        <a:lumOff val="60000"/>
+                      </a:schemeClr>
+                    </a:solidFill>
+                  </a:tcPr>
+                </a:tc>
+              </a:tr>
+              <a:tr h="370840">
+                <a:tc>
+                  <a:txBody>
+                    <a:bodyPr/>
+                    <a:lstStyle/>
+                    <a:p>
+                      <a:r>
+                        <a:rPr lang="en-US" b="0" dirty="0" smtClean="0">
+                          <a:solidFill>
+                            <a:schemeClr val="bg1"/>
+                          </a:solidFill>
+                        </a:rPr>
+                        <a:t>Validation Method</a:t>
+                      </a:r>
+                      <a:endParaRPr lang="en-US" b="0" dirty="0">
+                        <a:solidFill>
+                          <a:schemeClr val="bg1"/>
+                        </a:solidFill>
+                      </a:endParaRPr>
+                    </a:p>
+                  </a:txBody>
+                  <a:tcPr anchor="ctr">
+                    <a:lnL w="12700" cap="flat" cmpd="sng" algn="ctr">
+                      <a:solidFill>
+                        <a:schemeClr val="tx1"/>
+                      </a:solidFill>
+                      <a:prstDash val="solid"/>
+                      <a:round/>
+                      <a:headEnd type="none" w="med" len="med"/>
+                      <a:tailEnd type="none" w="med" len="med"/>
+                    </a:lnL>
+                    <a:lnR w="12700" cap="flat" cmpd="sng" algn="ctr">
+                      <a:solidFill>
+                        <a:schemeClr val="tx1"/>
+                      </a:solidFill>
+                      <a:prstDash val="solid"/>
+                      <a:round/>
+                      <a:headEnd type="none" w="med" len="med"/>
+                      <a:tailEnd type="none" w="med" len="med"/>
+                    </a:lnR>
+                    <a:lnT w="12700" cap="flat" cmpd="sng" algn="ctr">
+                      <a:solidFill>
+                        <a:schemeClr val="tx1"/>
+                      </a:solidFill>
+                      <a:prstDash val="solid"/>
+                      <a:round/>
+                      <a:headEnd type="none" w="med" len="med"/>
+                      <a:tailEnd type="none" w="med" len="med"/>
+                    </a:lnT>
+                    <a:lnB w="12700" cap="flat" cmpd="sng" algn="ctr">
+                      <a:solidFill>
+                        <a:schemeClr val="tx1"/>
+                      </a:solidFill>
+                      <a:prstDash val="solid"/>
+                      <a:round/>
+                      <a:headEnd type="none" w="med" len="med"/>
+                      <a:tailEnd type="none" w="med" len="med"/>
+                    </a:lnB>
+                    <a:solidFill>
+                      <a:schemeClr val="tx2">
+                        <a:lumMod val="75000"/>
+                      </a:schemeClr>
+                    </a:solidFill>
+                  </a:tcPr>
+                </a:tc>
+                <a:tc>
+                  <a:txBody>
+                    <a:bodyPr/>
+                    <a:lstStyle/>
+                    <a:p>
+                      <a:r>
+                        <a:rPr lang="en-US" b="1" i="1" baseline="0" smtClean="0">
+                          <a:solidFill>
+                            <a:schemeClr val="tx1"/>
+                          </a:solidFill>
+                        </a:rPr>
+                        <a:t>Examine</a:t>
+                      </a:r>
+                      <a:endParaRPr lang="en-US" b="1" i="1" dirty="0">
+                        <a:solidFill>
+                          <a:schemeClr val="tx1"/>
+                        </a:solidFill>
+                      </a:endParaRPr>
+                    </a:p>
+                  </a:txBody>
+                  <a:tcPr>
+                    <a:lnL w="12700" cap="flat" cmpd="sng" algn="ctr">
+                      <a:solidFill>
+                        <a:schemeClr val="tx1"/>
+                      </a:solidFill>
+                      <a:prstDash val="solid"/>
+                      <a:round/>
+                      <a:headEnd type="none" w="med" len="med"/>
+                      <a:tailEnd type="none" w="med" len="med"/>
+                    </a:lnL>
+                    <a:lnR w="12700" cap="flat" cmpd="sng" algn="ctr">
+                      <a:solidFill>
+                        <a:schemeClr val="tx1"/>
+                      </a:solidFill>
+                      <a:prstDash val="solid"/>
+                      <a:round/>
+                      <a:headEnd type="none" w="med" len="med"/>
+                      <a:tailEnd type="none" w="med" len="med"/>
+                    </a:lnR>
+                    <a:lnT w="12700" cap="flat" cmpd="sng" algn="ctr">
+                      <a:solidFill>
+                        <a:schemeClr val="tx1"/>
+                      </a:solidFill>
+                      <a:prstDash val="solid"/>
+                      <a:round/>
+                      <a:headEnd type="none" w="med" len="med"/>
+                      <a:tailEnd type="none" w="med" len="med"/>
+                    </a:lnT>
+                    <a:lnB w="12700" cap="flat" cmpd="sng" algn="ctr">
+                      <a:solidFill>
+                        <a:schemeClr val="tx1"/>
+                      </a:solidFill>
+                      <a:prstDash val="solid"/>
+                      <a:round/>
+                      <a:headEnd type="none" w="med" len="med"/>
+                      <a:tailEnd type="none" w="med" len="med"/>
+                    </a:lnB>
+                    <a:solidFill>
+                      <a:schemeClr val="tx2">
+                        <a:lumMod val="40000"/>
+                        <a:lumOff val="60000"/>
+                      </a:schemeClr>
+                    </a:solidFill>
+                  </a:tcPr>
+                </a:tc>
+              </a:tr>
+            </a:tbl>
+          </a:graphicData>
+        </a:graphic>
+      </p:graphicFrame>
+      <p:sp>
+        <p:nvSpPr>
+          <p:cNvPr id="5" name="TextBox 4"/>
+          <p:cNvSpPr txBox="1"/>
+          <p:nvPr/>
+        </p:nvSpPr>
+        <p:spPr>
+          <a:xfrm>
+            <a:off x="381000" y="3676471"/>
+            <a:ext cx="8305800" cy="830997"/>
+          </a:xfrm>
+          <a:prstGeom prst="rect">
+            <a:avLst/>
+          </a:prstGeom>
+          <a:noFill/>
+        </p:spPr>
+        <p:txBody>
+          <a:bodyPr wrap="square" rtlCol="0">
+            <a:spAutoFit/>
+          </a:bodyPr>
+          <a:lstStyle/>
+          <a:p>
+            <a:r>
+              <a:rPr lang="en-US" sz="2400" dirty="0" smtClean="0"/>
+              <a:t>Knowing the x, y, and z orientation allows for positioning of Jade and Turquoise </a:t>
+            </a:r>
+            <a:endParaRPr lang="en-US" sz="2400" dirty="0"/>
+          </a:p>
+        </p:txBody>
+      </p:sp>
+    </p:spTree>
+    <p:extLst>
+      <p:ext uri="{BB962C8B-B14F-4D97-AF65-F5344CB8AC3E}">
+        <p14:creationId xmlns:p14="http://schemas.microsoft.com/office/powerpoint/2010/main" val="1069814880"/>
+      </p:ext>
+    </p:extLst>
+  </p:cSld>
+  <p:clrMapOvr>
+    <a:masterClrMapping/>
+  </p:clrMapOvr>
+  <p:timing>
+    <p:tnLst>
+      <p:par>
+        <p:cTn id="1" dur="indefinite" restart="never" nodeType="tmRoot"/>
+      </p:par>
+    </p:tnLst>
+  </p:timing>
 </p:sld>
 </file>
 
